--- a/Investor Deck.pptx
+++ b/Investor Deck.pptx
@@ -19,8 +19,8 @@
     <p:sldId id="368" r:id="rId10"/>
     <p:sldId id="372" r:id="rId11"/>
     <p:sldId id="374" r:id="rId12"/>
-    <p:sldId id="364" r:id="rId13"/>
-    <p:sldId id="377" r:id="rId14"/>
+    <p:sldId id="377" r:id="rId13"/>
+    <p:sldId id="364" r:id="rId14"/>
     <p:sldId id="306" r:id="rId15"/>
     <p:sldId id="323" r:id="rId16"/>
     <p:sldId id="378" r:id="rId17"/>
@@ -263,22 +263,22 @@
   <p:extLst>
     <p:ext uri="{EFAFB233-063F-42B5-8137-9DF3F51BA10A}">
       <p15:sldGuideLst xmlns:p15="http://schemas.microsoft.com/office/powerpoint/2012/main">
-        <p15:guide id="1" orient="horz" pos="2412" userDrawn="1">
+        <p15:guide id="1" orient="horz" pos="2388" userDrawn="1">
           <p15:clr>
             <a:srgbClr val="A4A3A4"/>
           </p15:clr>
         </p15:guide>
-        <p15:guide id="2" pos="216" userDrawn="1">
+        <p15:guide id="2" pos="2544" userDrawn="1">
           <p15:clr>
             <a:srgbClr val="A4A3A4"/>
           </p15:clr>
         </p15:guide>
-        <p15:guide id="3" pos="2616" userDrawn="1">
+        <p15:guide id="3" pos="216" userDrawn="1">
           <p15:clr>
             <a:srgbClr val="A4A3A4"/>
           </p15:clr>
         </p15:guide>
-        <p15:guide id="4" orient="horz" pos="2052" userDrawn="1">
+        <p15:guide id="4" orient="horz" pos="204" userDrawn="1">
           <p15:clr>
             <a:srgbClr val="A4A3A4"/>
           </p15:clr>
@@ -1452,8 +1452,8 @@
     <dgm:cxn modelId="{A1C8E044-55A8-4943-AFB4-D4EBA407636A}" type="presOf" srcId="{A2576D40-7D1D-A643-82CE-1332C1F1DD0D}" destId="{C02C8A99-DD0F-2E44-9905-BDE676005CAD}" srcOrd="1" destOrd="0" presId="urn:microsoft.com/office/officeart/2005/8/layout/venn2"/>
     <dgm:cxn modelId="{E00283EB-351D-E84D-9495-8648DA7C666B}" type="presOf" srcId="{6AFDE59D-C3BD-4D49-AEF3-AB65539773E5}" destId="{B5380031-5F08-DC47-BFB3-7000295EFA7F}" srcOrd="1" destOrd="0" presId="urn:microsoft.com/office/officeart/2005/8/layout/venn2"/>
     <dgm:cxn modelId="{0A21DC7E-318B-BA48-A99D-F0EAB657065C}" srcId="{2086C332-A63F-1442-9389-8468A22AFD07}" destId="{6AFDE59D-C3BD-4D49-AEF3-AB65539773E5}" srcOrd="2" destOrd="0" parTransId="{EFD0B028-2B61-6D49-A329-8C71B01B61D7}" sibTransId="{FFED0BFC-CCF7-EE40-92BD-74B794BBCA2E}"/>
+    <dgm:cxn modelId="{26435E07-3982-5A44-A2D7-9AD3E9CE8D63}" type="presOf" srcId="{2086C332-A63F-1442-9389-8468A22AFD07}" destId="{D6FBE2A2-9C81-CB4F-9A11-8CE4E84E63BF}" srcOrd="0" destOrd="0" presId="urn:microsoft.com/office/officeart/2005/8/layout/venn2"/>
     <dgm:cxn modelId="{B2511C24-B322-494F-A85D-2E3AAAB4EED6}" srcId="{2086C332-A63F-1442-9389-8468A22AFD07}" destId="{A2576D40-7D1D-A643-82CE-1332C1F1DD0D}" srcOrd="0" destOrd="0" parTransId="{C2F9CFC9-983C-6546-9164-C286D8DE419F}" sibTransId="{39CE2ADD-BAF2-5E44-B6B1-D4A75419EF34}"/>
-    <dgm:cxn modelId="{26435E07-3982-5A44-A2D7-9AD3E9CE8D63}" type="presOf" srcId="{2086C332-A63F-1442-9389-8468A22AFD07}" destId="{D6FBE2A2-9C81-CB4F-9A11-8CE4E84E63BF}" srcOrd="0" destOrd="0" presId="urn:microsoft.com/office/officeart/2005/8/layout/venn2"/>
     <dgm:cxn modelId="{8CA81464-4DC3-CC4B-9859-810CFBB50587}" type="presOf" srcId="{A2576D40-7D1D-A643-82CE-1332C1F1DD0D}" destId="{FEB9C500-07DC-2842-BEE2-460EF06E282F}" srcOrd="0" destOrd="0" presId="urn:microsoft.com/office/officeart/2005/8/layout/venn2"/>
     <dgm:cxn modelId="{7B028E69-33C2-0946-86E8-54DFAD086D28}" type="presParOf" srcId="{D6FBE2A2-9C81-CB4F-9A11-8CE4E84E63BF}" destId="{63F4D101-114C-F84F-90E3-507E51C4A95D}" srcOrd="0" destOrd="0" presId="urn:microsoft.com/office/officeart/2005/8/layout/venn2"/>
     <dgm:cxn modelId="{270512B5-5179-BB40-9314-7B0AE21115BD}" type="presParOf" srcId="{63F4D101-114C-F84F-90E3-507E51C4A95D}" destId="{FEB9C500-07DC-2842-BEE2-460EF06E282F}" srcOrd="0" destOrd="0" presId="urn:microsoft.com/office/officeart/2005/8/layout/venn2"/>
@@ -4357,6 +4357,217 @@
   <p:cSld>
     <p:spTree>
       <p:nvGrpSpPr>
+        <p:cNvPr id="1" name="Shape 233"/>
+        <p:cNvGrpSpPr/>
+        <p:nvPr/>
+      </p:nvGrpSpPr>
+      <p:grpSpPr>
+        <a:xfrm>
+          <a:off x="0" y="0"/>
+          <a:ext cx="0" cy="0"/>
+          <a:chOff x="0" y="0"/>
+          <a:chExt cx="0" cy="0"/>
+        </a:xfrm>
+      </p:grpSpPr>
+      <p:sp>
+        <p:nvSpPr>
+          <p:cNvPr id="234" name="Shape 234"/>
+          <p:cNvSpPr>
+            <a:spLocks noGrp="1" noRot="1" noChangeAspect="1"/>
+          </p:cNvSpPr>
+          <p:nvPr>
+            <p:ph type="sldImg" idx="2"/>
+          </p:nvPr>
+        </p:nvSpPr>
+        <p:spPr>
+          <a:xfrm>
+            <a:off x="381000" y="685800"/>
+            <a:ext cx="6096000" cy="3429000"/>
+          </a:xfrm>
+          <a:custGeom>
+            <a:avLst/>
+            <a:gdLst/>
+            <a:ahLst/>
+            <a:cxnLst/>
+            <a:rect l="0" t="0" r="0" b="0"/>
+            <a:pathLst>
+              <a:path w="120000" h="120000" extrusionOk="0">
+                <a:moveTo>
+                  <a:pt x="0" y="0"/>
+                </a:moveTo>
+                <a:lnTo>
+                  <a:pt x="120000" y="0"/>
+                </a:lnTo>
+                <a:lnTo>
+                  <a:pt x="120000" y="120000"/>
+                </a:lnTo>
+                <a:lnTo>
+                  <a:pt x="0" y="120000"/>
+                </a:lnTo>
+                <a:close/>
+              </a:path>
+            </a:pathLst>
+          </a:custGeom>
+        </p:spPr>
+      </p:sp>
+      <p:sp>
+        <p:nvSpPr>
+          <p:cNvPr id="235" name="Shape 235"/>
+          <p:cNvSpPr txBox="1">
+            <a:spLocks noGrp="1"/>
+          </p:cNvSpPr>
+          <p:nvPr>
+            <p:ph type="body" idx="1"/>
+          </p:nvPr>
+        </p:nvSpPr>
+        <p:spPr>
+          <a:xfrm>
+            <a:off x="685800" y="4343400"/>
+            <a:ext cx="5486400" cy="4114800"/>
+          </a:xfrm>
+          <a:prstGeom prst="rect">
+            <a:avLst/>
+          </a:prstGeom>
+        </p:spPr>
+        <p:txBody>
+          <a:bodyPr spcFirstLastPara="1" wrap="square" lIns="91425" tIns="91425" rIns="91425" bIns="91425" anchor="t" anchorCtr="0">
+            <a:noAutofit/>
+          </a:bodyPr>
+          <a:lstStyle/>
+          <a:p>
+            <a:pPr marL="0" lvl="0" indent="0">
+              <a:spcBef>
+                <a:spcPts val="0"/>
+              </a:spcBef>
+              <a:spcAft>
+                <a:spcPts val="0"/>
+              </a:spcAft>
+              <a:buNone/>
+            </a:pPr>
+            <a:r>
+              <a:rPr lang="en" dirty="0"/>
+              <a:t>57.3</a:t>
+            </a:r>
+            <a:endParaRPr dirty="0"/>
+          </a:p>
+          <a:p>
+            <a:pPr marL="0" lvl="0" indent="0" rtl="0">
+              <a:spcBef>
+                <a:spcPts val="0"/>
+              </a:spcBef>
+              <a:spcAft>
+                <a:spcPts val="0"/>
+              </a:spcAft>
+              <a:buNone/>
+            </a:pPr>
+            <a:r>
+              <a:rPr lang="en" dirty="0"/>
+              <a:t>Need % that go to the gym less than 8x per </a:t>
+            </a:r>
+            <a:r>
+              <a:rPr lang="en" dirty="0" smtClean="0"/>
+              <a:t>month</a:t>
+            </a:r>
+            <a:endParaRPr lang="en-US" dirty="0" smtClean="0"/>
+          </a:p>
+          <a:p>
+            <a:pPr marL="0" lvl="0" indent="0" rtl="0">
+              <a:spcBef>
+                <a:spcPts val="0"/>
+              </a:spcBef>
+              <a:spcAft>
+                <a:spcPts val="0"/>
+              </a:spcAft>
+              <a:buNone/>
+            </a:pPr>
+            <a:endParaRPr lang="en-US" dirty="0" smtClean="0"/>
+          </a:p>
+          <a:p>
+            <a:pPr marL="0" lvl="0" indent="0" rtl="0">
+              <a:spcBef>
+                <a:spcPts val="0"/>
+              </a:spcBef>
+              <a:spcAft>
+                <a:spcPts val="0"/>
+              </a:spcAft>
+              <a:buNone/>
+            </a:pPr>
+            <a:r>
+              <a:rPr lang="en-US" dirty="0" smtClean="0"/>
+              <a:t>Maybe concentric circles</a:t>
+            </a:r>
+          </a:p>
+          <a:p>
+            <a:pPr marL="0" lvl="0" indent="0" rtl="0">
+              <a:spcBef>
+                <a:spcPts val="0"/>
+              </a:spcBef>
+              <a:spcAft>
+                <a:spcPts val="0"/>
+              </a:spcAft>
+              <a:buNone/>
+            </a:pPr>
+            <a:endParaRPr lang="en-US" dirty="0" smtClean="0"/>
+          </a:p>
+          <a:p>
+            <a:pPr marL="0" lvl="0" indent="0" rtl="0">
+              <a:spcBef>
+                <a:spcPts val="0"/>
+              </a:spcBef>
+              <a:spcAft>
+                <a:spcPts val="0"/>
+              </a:spcAft>
+              <a:buNone/>
+            </a:pPr>
+            <a:r>
+              <a:rPr lang="en-US" dirty="0" smtClean="0"/>
+              <a:t>Market comp, center align</a:t>
+            </a:r>
+          </a:p>
+          <a:p>
+            <a:pPr marL="0" lvl="0" indent="0" rtl="0">
+              <a:spcBef>
+                <a:spcPts val="0"/>
+              </a:spcBef>
+              <a:spcAft>
+                <a:spcPts val="0"/>
+              </a:spcAft>
+              <a:buNone/>
+            </a:pPr>
+            <a:r>
+              <a:rPr lang="en-US" dirty="0" err="1" smtClean="0"/>
+              <a:t>Wrapo</a:t>
+            </a:r>
+            <a:r>
+              <a:rPr lang="en-US" dirty="0" smtClean="0"/>
+              <a:t> more </a:t>
+            </a:r>
+            <a:r>
+              <a:rPr lang="en-US" dirty="0" err="1" smtClean="0"/>
+              <a:t>evely</a:t>
+            </a:r>
+            <a:endParaRPr dirty="0"/>
+          </a:p>
+        </p:txBody>
+      </p:sp>
+    </p:spTree>
+    <p:extLst>
+      <p:ext uri="{BB962C8B-B14F-4D97-AF65-F5344CB8AC3E}">
+        <p14:creationId xmlns:p14="http://schemas.microsoft.com/office/powerpoint/2010/main" val="1355190203"/>
+      </p:ext>
+    </p:extLst>
+  </p:cSld>
+  <p:clrMapOvr>
+    <a:masterClrMapping/>
+  </p:clrMapOvr>
+</p:notes>
+</file>
+
+<file path=ppt/notesSlides/notesSlide13.xml><?xml version="1.0" encoding="utf-8"?>
+<p:notes xmlns:a="http://schemas.openxmlformats.org/drawingml/2006/main" xmlns:r="http://schemas.openxmlformats.org/officeDocument/2006/relationships" xmlns:p="http://schemas.openxmlformats.org/presentationml/2006/main" showMasterSp="0" showMasterPhAnim="0">
+  <p:cSld>
+    <p:spTree>
+      <p:nvGrpSpPr>
         <p:cNvPr id="1" name="Shape 401"/>
         <p:cNvGrpSpPr/>
         <p:nvPr/>
@@ -4635,217 +4846,6 @@
     <p:extLst>
       <p:ext uri="{BB962C8B-B14F-4D97-AF65-F5344CB8AC3E}">
         <p14:creationId xmlns:p14="http://schemas.microsoft.com/office/powerpoint/2010/main" val="1870591557"/>
-      </p:ext>
-    </p:extLst>
-  </p:cSld>
-  <p:clrMapOvr>
-    <a:masterClrMapping/>
-  </p:clrMapOvr>
-</p:notes>
-</file>
-
-<file path=ppt/notesSlides/notesSlide13.xml><?xml version="1.0" encoding="utf-8"?>
-<p:notes xmlns:a="http://schemas.openxmlformats.org/drawingml/2006/main" xmlns:r="http://schemas.openxmlformats.org/officeDocument/2006/relationships" xmlns:p="http://schemas.openxmlformats.org/presentationml/2006/main" showMasterSp="0" showMasterPhAnim="0">
-  <p:cSld>
-    <p:spTree>
-      <p:nvGrpSpPr>
-        <p:cNvPr id="1" name="Shape 233"/>
-        <p:cNvGrpSpPr/>
-        <p:nvPr/>
-      </p:nvGrpSpPr>
-      <p:grpSpPr>
-        <a:xfrm>
-          <a:off x="0" y="0"/>
-          <a:ext cx="0" cy="0"/>
-          <a:chOff x="0" y="0"/>
-          <a:chExt cx="0" cy="0"/>
-        </a:xfrm>
-      </p:grpSpPr>
-      <p:sp>
-        <p:nvSpPr>
-          <p:cNvPr id="234" name="Shape 234"/>
-          <p:cNvSpPr>
-            <a:spLocks noGrp="1" noRot="1" noChangeAspect="1"/>
-          </p:cNvSpPr>
-          <p:nvPr>
-            <p:ph type="sldImg" idx="2"/>
-          </p:nvPr>
-        </p:nvSpPr>
-        <p:spPr>
-          <a:xfrm>
-            <a:off x="381000" y="685800"/>
-            <a:ext cx="6096000" cy="3429000"/>
-          </a:xfrm>
-          <a:custGeom>
-            <a:avLst/>
-            <a:gdLst/>
-            <a:ahLst/>
-            <a:cxnLst/>
-            <a:rect l="0" t="0" r="0" b="0"/>
-            <a:pathLst>
-              <a:path w="120000" h="120000" extrusionOk="0">
-                <a:moveTo>
-                  <a:pt x="0" y="0"/>
-                </a:moveTo>
-                <a:lnTo>
-                  <a:pt x="120000" y="0"/>
-                </a:lnTo>
-                <a:lnTo>
-                  <a:pt x="120000" y="120000"/>
-                </a:lnTo>
-                <a:lnTo>
-                  <a:pt x="0" y="120000"/>
-                </a:lnTo>
-                <a:close/>
-              </a:path>
-            </a:pathLst>
-          </a:custGeom>
-        </p:spPr>
-      </p:sp>
-      <p:sp>
-        <p:nvSpPr>
-          <p:cNvPr id="235" name="Shape 235"/>
-          <p:cNvSpPr txBox="1">
-            <a:spLocks noGrp="1"/>
-          </p:cNvSpPr>
-          <p:nvPr>
-            <p:ph type="body" idx="1"/>
-          </p:nvPr>
-        </p:nvSpPr>
-        <p:spPr>
-          <a:xfrm>
-            <a:off x="685800" y="4343400"/>
-            <a:ext cx="5486400" cy="4114800"/>
-          </a:xfrm>
-          <a:prstGeom prst="rect">
-            <a:avLst/>
-          </a:prstGeom>
-        </p:spPr>
-        <p:txBody>
-          <a:bodyPr spcFirstLastPara="1" wrap="square" lIns="91425" tIns="91425" rIns="91425" bIns="91425" anchor="t" anchorCtr="0">
-            <a:noAutofit/>
-          </a:bodyPr>
-          <a:lstStyle/>
-          <a:p>
-            <a:pPr marL="0" lvl="0" indent="0">
-              <a:spcBef>
-                <a:spcPts val="0"/>
-              </a:spcBef>
-              <a:spcAft>
-                <a:spcPts val="0"/>
-              </a:spcAft>
-              <a:buNone/>
-            </a:pPr>
-            <a:r>
-              <a:rPr lang="en" dirty="0"/>
-              <a:t>57.3</a:t>
-            </a:r>
-            <a:endParaRPr dirty="0"/>
-          </a:p>
-          <a:p>
-            <a:pPr marL="0" lvl="0" indent="0" rtl="0">
-              <a:spcBef>
-                <a:spcPts val="0"/>
-              </a:spcBef>
-              <a:spcAft>
-                <a:spcPts val="0"/>
-              </a:spcAft>
-              <a:buNone/>
-            </a:pPr>
-            <a:r>
-              <a:rPr lang="en" dirty="0"/>
-              <a:t>Need % that go to the gym less than 8x per </a:t>
-            </a:r>
-            <a:r>
-              <a:rPr lang="en" dirty="0" smtClean="0"/>
-              <a:t>month</a:t>
-            </a:r>
-            <a:endParaRPr lang="en-US" dirty="0" smtClean="0"/>
-          </a:p>
-          <a:p>
-            <a:pPr marL="0" lvl="0" indent="0" rtl="0">
-              <a:spcBef>
-                <a:spcPts val="0"/>
-              </a:spcBef>
-              <a:spcAft>
-                <a:spcPts val="0"/>
-              </a:spcAft>
-              <a:buNone/>
-            </a:pPr>
-            <a:endParaRPr lang="en-US" dirty="0" smtClean="0"/>
-          </a:p>
-          <a:p>
-            <a:pPr marL="0" lvl="0" indent="0" rtl="0">
-              <a:spcBef>
-                <a:spcPts val="0"/>
-              </a:spcBef>
-              <a:spcAft>
-                <a:spcPts val="0"/>
-              </a:spcAft>
-              <a:buNone/>
-            </a:pPr>
-            <a:r>
-              <a:rPr lang="en-US" dirty="0" smtClean="0"/>
-              <a:t>Maybe concentric circles</a:t>
-            </a:r>
-          </a:p>
-          <a:p>
-            <a:pPr marL="0" lvl="0" indent="0" rtl="0">
-              <a:spcBef>
-                <a:spcPts val="0"/>
-              </a:spcBef>
-              <a:spcAft>
-                <a:spcPts val="0"/>
-              </a:spcAft>
-              <a:buNone/>
-            </a:pPr>
-            <a:endParaRPr lang="en-US" dirty="0" smtClean="0"/>
-          </a:p>
-          <a:p>
-            <a:pPr marL="0" lvl="0" indent="0" rtl="0">
-              <a:spcBef>
-                <a:spcPts val="0"/>
-              </a:spcBef>
-              <a:spcAft>
-                <a:spcPts val="0"/>
-              </a:spcAft>
-              <a:buNone/>
-            </a:pPr>
-            <a:r>
-              <a:rPr lang="en-US" dirty="0" smtClean="0"/>
-              <a:t>Market comp, center align</a:t>
-            </a:r>
-          </a:p>
-          <a:p>
-            <a:pPr marL="0" lvl="0" indent="0" rtl="0">
-              <a:spcBef>
-                <a:spcPts val="0"/>
-              </a:spcBef>
-              <a:spcAft>
-                <a:spcPts val="0"/>
-              </a:spcAft>
-              <a:buNone/>
-            </a:pPr>
-            <a:r>
-              <a:rPr lang="en-US" dirty="0" err="1" smtClean="0"/>
-              <a:t>Wrapo</a:t>
-            </a:r>
-            <a:r>
-              <a:rPr lang="en-US" dirty="0" smtClean="0"/>
-              <a:t> more </a:t>
-            </a:r>
-            <a:r>
-              <a:rPr lang="en-US" dirty="0" err="1" smtClean="0"/>
-              <a:t>evely</a:t>
-            </a:r>
-            <a:endParaRPr dirty="0"/>
-          </a:p>
-        </p:txBody>
-      </p:sp>
-    </p:spTree>
-    <p:extLst>
-      <p:ext uri="{BB962C8B-B14F-4D97-AF65-F5344CB8AC3E}">
-        <p14:creationId xmlns:p14="http://schemas.microsoft.com/office/powerpoint/2010/main" val="1355190203"/>
       </p:ext>
     </p:extLst>
   </p:cSld>
@@ -6997,7 +6997,7 @@
           <a:graphicData uri="http://schemas.openxmlformats.org/presentationml/2006/ole">
             <mc:AlternateContent xmlns:mc="http://schemas.openxmlformats.org/markup-compatibility/2006">
               <mc:Choice xmlns:v="urn:schemas-microsoft-com:vml" Requires="v">
-                <p:oleObj spid="_x0000_s2195" name="think-cell Slide" r:id="rId4" imgW="270" imgH="270" progId="TCLayout.ActiveDocument.1">
+                <p:oleObj spid="_x0000_s2210" name="think-cell Slide" r:id="rId4" imgW="270" imgH="270" progId="TCLayout.ActiveDocument.1">
                   <p:embed/>
                 </p:oleObj>
               </mc:Choice>
@@ -10504,7 +10504,7 @@
           <a:graphicData uri="http://schemas.openxmlformats.org/presentationml/2006/ole">
             <mc:AlternateContent xmlns:mc="http://schemas.openxmlformats.org/markup-compatibility/2006">
               <mc:Choice xmlns:v="urn:schemas-microsoft-com:vml" Requires="v">
-                <p:oleObj spid="_x0000_s1171" name="think-cell Slide" r:id="rId15" imgW="270" imgH="270" progId="TCLayout.ActiveDocument.1">
+                <p:oleObj spid="_x0000_s1186" name="think-cell Slide" r:id="rId15" imgW="270" imgH="270" progId="TCLayout.ActiveDocument.1">
                   <p:embed/>
                 </p:oleObj>
               </mc:Choice>
@@ -11851,19 +11851,7 @@
                 <a:cs typeface="Glacial Indifference" charset="0"/>
                 <a:sym typeface="Montserrat"/>
               </a:rPr>
-              <a:t>WHEREVER, </a:t>
-            </a:r>
-            <a:r>
-              <a:rPr lang="en-US" sz="2400" dirty="0" smtClean="0">
-                <a:solidFill>
-                  <a:schemeClr val="bg1"/>
-                </a:solidFill>
-                <a:latin typeface="Glacial Indifference" charset="0"/>
-                <a:ea typeface="Glacial Indifference" charset="0"/>
-                <a:cs typeface="Glacial Indifference" charset="0"/>
-                <a:sym typeface="Montserrat"/>
-              </a:rPr>
-              <a:t>WHENEVER.</a:t>
+              <a:t>WHEREVER, WHENEVER.</a:t>
             </a:r>
             <a:endParaRPr sz="2400" dirty="0">
               <a:solidFill>
@@ -14143,7 +14131,7 @@
                 <a:ea typeface="Glacial Indifference" charset="0"/>
                 <a:cs typeface="Glacial Indifference" charset="0"/>
               </a:rPr>
-              <a:t>OPPORTUNITY | </a:t>
+              <a:t>OPPORTUNITY | SOLUTION | </a:t>
             </a:r>
             <a:r>
               <a:rPr lang="en-US" sz="700" b="1" dirty="0" smtClean="0">
@@ -14154,20 +14142,9 @@
                 <a:ea typeface="Glacial Indifference" charset="0"/>
                 <a:cs typeface="Glacial Indifference" charset="0"/>
               </a:rPr>
-              <a:t>SOLUTION</a:t>
+              <a:t>BUSINESS</a:t>
             </a:r>
-            <a:r>
-              <a:rPr lang="en-US" sz="700" dirty="0" smtClean="0">
-                <a:solidFill>
-                  <a:schemeClr val="bg1"/>
-                </a:solidFill>
-                <a:latin typeface="Glacial Indifference" charset="0"/>
-                <a:ea typeface="Glacial Indifference" charset="0"/>
-                <a:cs typeface="Glacial Indifference" charset="0"/>
-              </a:rPr>
-              <a:t> | BUSINESS</a:t>
-            </a:r>
-            <a:endParaRPr lang="en-US" sz="700" dirty="0">
+            <a:endParaRPr lang="en-US" sz="700" b="1" dirty="0">
               <a:solidFill>
                 <a:schemeClr val="bg1"/>
               </a:solidFill>
@@ -14493,18 +14470,7 @@
                 <a:ea typeface="Glacial Indifference" charset="0"/>
                 <a:cs typeface="Glacial Indifference" charset="0"/>
               </a:rPr>
-              <a:t>FLEXIT is </a:t>
-            </a:r>
-            <a:r>
-              <a:rPr lang="en-US" sz="2400" b="1" dirty="0" smtClean="0">
-                <a:solidFill>
-                  <a:schemeClr val="bg1"/>
-                </a:solidFill>
-                <a:latin typeface="Glacial Indifference" charset="0"/>
-                <a:ea typeface="Glacial Indifference" charset="0"/>
-                <a:cs typeface="Glacial Indifference" charset="0"/>
-              </a:rPr>
-              <a:t>more affordable and experiential than its competition</a:t>
+              <a:t>FLEXIT is more affordable and experiential than its competition</a:t>
             </a:r>
             <a:endParaRPr lang="en-US" sz="2400" b="1" dirty="0">
               <a:solidFill>
@@ -15261,7 +15227,7 @@
                 <a:ea typeface="Glacial Indifference" charset="0"/>
                 <a:cs typeface="Glacial Indifference" charset="0"/>
               </a:rPr>
-              <a:t>OPPORTUNITY | </a:t>
+              <a:t>OPPORTUNITY | SOLUTION | </a:t>
             </a:r>
             <a:r>
               <a:rPr lang="en-US" sz="700" b="1" dirty="0" smtClean="0">
@@ -15272,20 +15238,9 @@
                 <a:ea typeface="Glacial Indifference" charset="0"/>
                 <a:cs typeface="Glacial Indifference" charset="0"/>
               </a:rPr>
-              <a:t>SOLUTION</a:t>
+              <a:t>BUSINESS</a:t>
             </a:r>
-            <a:r>
-              <a:rPr lang="en-US" sz="700" dirty="0" smtClean="0">
-                <a:solidFill>
-                  <a:schemeClr val="bg1"/>
-                </a:solidFill>
-                <a:latin typeface="Glacial Indifference" charset="0"/>
-                <a:ea typeface="Glacial Indifference" charset="0"/>
-                <a:cs typeface="Glacial Indifference" charset="0"/>
-              </a:rPr>
-              <a:t> | BUSINESS</a:t>
-            </a:r>
-            <a:endParaRPr lang="en-US" sz="700" dirty="0">
+            <a:endParaRPr lang="en-US" sz="700" b="1" dirty="0">
               <a:solidFill>
                 <a:schemeClr val="bg1"/>
               </a:solidFill>
@@ -15409,1168 +15364,6 @@
 </file>
 
 <file path=ppt/slides/slide12.xml><?xml version="1.0" encoding="utf-8"?>
-<p:sld xmlns:a="http://schemas.openxmlformats.org/drawingml/2006/main" xmlns:r="http://schemas.openxmlformats.org/officeDocument/2006/relationships" xmlns:p="http://schemas.openxmlformats.org/presentationml/2006/main">
-  <p:cSld>
-    <p:spTree>
-      <p:nvGrpSpPr>
-        <p:cNvPr id="1" name="Shape 404"/>
-        <p:cNvGrpSpPr/>
-        <p:nvPr/>
-      </p:nvGrpSpPr>
-      <p:grpSpPr>
-        <a:xfrm>
-          <a:off x="0" y="0"/>
-          <a:ext cx="0" cy="0"/>
-          <a:chOff x="0" y="0"/>
-          <a:chExt cx="0" cy="0"/>
-        </a:xfrm>
-      </p:grpSpPr>
-      <p:pic>
-        <p:nvPicPr>
-          <p:cNvPr id="40" name="Picture 39"/>
-          <p:cNvPicPr>
-            <a:picLocks noChangeAspect="1"/>
-          </p:cNvPicPr>
-          <p:nvPr/>
-        </p:nvPicPr>
-        <p:blipFill rotWithShape="1">
-          <a:blip r:embed="rId3"/>
-          <a:srcRect t="10710" r="642" b="6073"/>
-          <a:stretch/>
-        </p:blipFill>
-        <p:spPr>
-          <a:xfrm flipH="1">
-            <a:off x="0" y="0"/>
-            <a:ext cx="9159498" cy="5143500"/>
-          </a:xfrm>
-          <a:prstGeom prst="rect">
-            <a:avLst/>
-          </a:prstGeom>
-        </p:spPr>
-      </p:pic>
-      <p:sp>
-        <p:nvSpPr>
-          <p:cNvPr id="406" name="Shape 406"/>
-          <p:cNvSpPr txBox="1">
-            <a:spLocks noGrp="1"/>
-          </p:cNvSpPr>
-          <p:nvPr>
-            <p:ph type="sldNum" idx="12"/>
-          </p:nvPr>
-        </p:nvSpPr>
-        <p:spPr>
-          <a:xfrm>
-            <a:off x="8686800" y="4800600"/>
-            <a:ext cx="365760" cy="237744"/>
-          </a:xfrm>
-          <a:prstGeom prst="rect">
-            <a:avLst/>
-          </a:prstGeom>
-        </p:spPr>
-        <p:txBody>
-          <a:bodyPr spcFirstLastPara="1" wrap="square" lIns="91425" tIns="91425" rIns="91425" bIns="91425" anchor="ctr" anchorCtr="0">
-            <a:noAutofit/>
-          </a:bodyPr>
-          <a:lstStyle/>
-          <a:p>
-            <a:pPr marL="0" lvl="0" indent="0" rtl="0">
-              <a:spcBef>
-                <a:spcPts val="0"/>
-              </a:spcBef>
-              <a:spcAft>
-                <a:spcPts val="0"/>
-              </a:spcAft>
-              <a:buNone/>
-            </a:pPr>
-            <a:fld id="{00000000-1234-1234-1234-123412341234}" type="slidenum">
-              <a:rPr lang="en">
-                <a:solidFill>
-                  <a:schemeClr val="bg1"/>
-                </a:solidFill>
-                <a:latin typeface="Montserrat"/>
-                <a:ea typeface="Montserrat"/>
-                <a:cs typeface="Montserrat"/>
-                <a:sym typeface="Montserrat"/>
-              </a:rPr>
-              <a:t>12</a:t>
-            </a:fld>
-            <a:endParaRPr dirty="0">
-              <a:solidFill>
-                <a:schemeClr val="bg1"/>
-              </a:solidFill>
-              <a:latin typeface="Montserrat"/>
-              <a:ea typeface="Montserrat"/>
-              <a:cs typeface="Montserrat"/>
-              <a:sym typeface="Montserrat"/>
-            </a:endParaRPr>
-          </a:p>
-        </p:txBody>
-      </p:sp>
-      <p:sp>
-        <p:nvSpPr>
-          <p:cNvPr id="37" name="Rectangle 36"/>
-          <p:cNvSpPr/>
-          <p:nvPr/>
-        </p:nvSpPr>
-        <p:spPr>
-          <a:xfrm>
-            <a:off x="367802" y="1087155"/>
-            <a:ext cx="3655558" cy="748260"/>
-          </a:xfrm>
-          <a:prstGeom prst="rect">
-            <a:avLst/>
-          </a:prstGeom>
-          <a:noFill/>
-          <a:ln>
-            <a:noFill/>
-          </a:ln>
-          <a:effectLst/>
-        </p:spPr>
-        <p:style>
-          <a:lnRef idx="1">
-            <a:schemeClr val="accent1"/>
-          </a:lnRef>
-          <a:fillRef idx="3">
-            <a:schemeClr val="accent1"/>
-          </a:fillRef>
-          <a:effectRef idx="2">
-            <a:schemeClr val="accent1"/>
-          </a:effectRef>
-          <a:fontRef idx="minor">
-            <a:schemeClr val="lt1"/>
-          </a:fontRef>
-        </p:style>
-        <p:txBody>
-          <a:bodyPr rtlCol="0" anchor="t" anchorCtr="0"/>
-          <a:lstStyle/>
-          <a:p>
-            <a:pPr algn="ctr"/>
-            <a:r>
-              <a:rPr lang="en-US" sz="1800" b="1" dirty="0" smtClean="0">
-                <a:solidFill>
-                  <a:schemeClr val="bg1"/>
-                </a:solidFill>
-                <a:latin typeface="Glacial Indifference" charset="0"/>
-                <a:ea typeface="Glacial Indifference" charset="0"/>
-                <a:cs typeface="Glacial Indifference" charset="0"/>
-              </a:rPr>
-              <a:t>Risks</a:t>
-            </a:r>
-            <a:endParaRPr lang="en-US" sz="1800" b="1" dirty="0">
-              <a:solidFill>
-                <a:schemeClr val="bg1"/>
-              </a:solidFill>
-              <a:latin typeface="Glacial Indifference" charset="0"/>
-              <a:ea typeface="Glacial Indifference" charset="0"/>
-              <a:cs typeface="Glacial Indifference" charset="0"/>
-            </a:endParaRPr>
-          </a:p>
-        </p:txBody>
-      </p:sp>
-      <p:sp>
-        <p:nvSpPr>
-          <p:cNvPr id="39" name="Rectangle 38"/>
-          <p:cNvSpPr/>
-          <p:nvPr/>
-        </p:nvSpPr>
-        <p:spPr>
-          <a:xfrm>
-            <a:off x="5120639" y="1087155"/>
-            <a:ext cx="3657601" cy="748260"/>
-          </a:xfrm>
-          <a:prstGeom prst="rect">
-            <a:avLst/>
-          </a:prstGeom>
-          <a:noFill/>
-          <a:ln>
-            <a:noFill/>
-          </a:ln>
-          <a:effectLst/>
-        </p:spPr>
-        <p:style>
-          <a:lnRef idx="1">
-            <a:schemeClr val="accent1"/>
-          </a:lnRef>
-          <a:fillRef idx="3">
-            <a:schemeClr val="accent1"/>
-          </a:fillRef>
-          <a:effectRef idx="2">
-            <a:schemeClr val="accent1"/>
-          </a:effectRef>
-          <a:fontRef idx="minor">
-            <a:schemeClr val="lt1"/>
-          </a:fontRef>
-        </p:style>
-        <p:txBody>
-          <a:bodyPr rtlCol="0" anchor="t" anchorCtr="0"/>
-          <a:lstStyle/>
-          <a:p>
-            <a:pPr algn="ctr"/>
-            <a:r>
-              <a:rPr lang="en-US" sz="1800" b="1" dirty="0" smtClean="0">
-                <a:solidFill>
-                  <a:schemeClr val="bg1"/>
-                </a:solidFill>
-                <a:latin typeface="Glacial Indifference" charset="0"/>
-                <a:ea typeface="Glacial Indifference" charset="0"/>
-                <a:cs typeface="Glacial Indifference" charset="0"/>
-              </a:rPr>
-              <a:t>Mitigants</a:t>
-            </a:r>
-            <a:endParaRPr lang="en-US" sz="1800" b="1" dirty="0">
-              <a:solidFill>
-                <a:schemeClr val="bg1"/>
-              </a:solidFill>
-              <a:latin typeface="Glacial Indifference" charset="0"/>
-              <a:ea typeface="Glacial Indifference" charset="0"/>
-              <a:cs typeface="Glacial Indifference" charset="0"/>
-            </a:endParaRPr>
-          </a:p>
-        </p:txBody>
-      </p:sp>
-      <p:cxnSp>
-        <p:nvCxnSpPr>
-          <p:cNvPr id="3" name="Straight Arrow Connector 2"/>
-          <p:cNvCxnSpPr/>
-          <p:nvPr/>
-        </p:nvCxnSpPr>
-        <p:spPr>
-          <a:xfrm flipV="1">
-            <a:off x="4206240" y="2510723"/>
-            <a:ext cx="731520" cy="0"/>
-          </a:xfrm>
-          <a:prstGeom prst="straightConnector1">
-            <a:avLst/>
-          </a:prstGeom>
-          <a:ln w="38100">
-            <a:solidFill>
-              <a:schemeClr val="bg1"/>
-            </a:solidFill>
-            <a:tailEnd type="triangle"/>
-          </a:ln>
-        </p:spPr>
-        <p:style>
-          <a:lnRef idx="1">
-            <a:schemeClr val="accent1"/>
-          </a:lnRef>
-          <a:fillRef idx="0">
-            <a:schemeClr val="accent1"/>
-          </a:fillRef>
-          <a:effectRef idx="0">
-            <a:schemeClr val="accent1"/>
-          </a:effectRef>
-          <a:fontRef idx="minor">
-            <a:schemeClr val="tx1"/>
-          </a:fontRef>
-        </p:style>
-      </p:cxnSp>
-      <p:cxnSp>
-        <p:nvCxnSpPr>
-          <p:cNvPr id="21" name="Straight Arrow Connector 20"/>
-          <p:cNvCxnSpPr/>
-          <p:nvPr/>
-        </p:nvCxnSpPr>
-        <p:spPr>
-          <a:xfrm flipV="1">
-            <a:off x="4206240" y="3167785"/>
-            <a:ext cx="731520" cy="0"/>
-          </a:xfrm>
-          <a:prstGeom prst="straightConnector1">
-            <a:avLst/>
-          </a:prstGeom>
-          <a:ln w="38100">
-            <a:solidFill>
-              <a:schemeClr val="bg1"/>
-            </a:solidFill>
-            <a:tailEnd type="triangle"/>
-          </a:ln>
-        </p:spPr>
-        <p:style>
-          <a:lnRef idx="1">
-            <a:schemeClr val="accent1"/>
-          </a:lnRef>
-          <a:fillRef idx="0">
-            <a:schemeClr val="accent1"/>
-          </a:fillRef>
-          <a:effectRef idx="0">
-            <a:schemeClr val="accent1"/>
-          </a:effectRef>
-          <a:fontRef idx="minor">
-            <a:schemeClr val="tx1"/>
-          </a:fontRef>
-        </p:style>
-      </p:cxnSp>
-      <p:cxnSp>
-        <p:nvCxnSpPr>
-          <p:cNvPr id="22" name="Straight Arrow Connector 21"/>
-          <p:cNvCxnSpPr/>
-          <p:nvPr/>
-        </p:nvCxnSpPr>
-        <p:spPr>
-          <a:xfrm>
-            <a:off x="4206240" y="3846576"/>
-            <a:ext cx="731520" cy="0"/>
-          </a:xfrm>
-          <a:prstGeom prst="straightConnector1">
-            <a:avLst/>
-          </a:prstGeom>
-          <a:ln w="38100">
-            <a:solidFill>
-              <a:schemeClr val="bg1"/>
-            </a:solidFill>
-            <a:tailEnd type="triangle"/>
-          </a:ln>
-        </p:spPr>
-        <p:style>
-          <a:lnRef idx="1">
-            <a:schemeClr val="accent1"/>
-          </a:lnRef>
-          <a:fillRef idx="0">
-            <a:schemeClr val="accent1"/>
-          </a:fillRef>
-          <a:effectRef idx="0">
-            <a:schemeClr val="accent1"/>
-          </a:effectRef>
-          <a:fontRef idx="minor">
-            <a:schemeClr val="tx1"/>
-          </a:fontRef>
-        </p:style>
-      </p:cxnSp>
-      <p:cxnSp>
-        <p:nvCxnSpPr>
-          <p:cNvPr id="27" name="Straight Arrow Connector 26"/>
-          <p:cNvCxnSpPr/>
-          <p:nvPr/>
-        </p:nvCxnSpPr>
-        <p:spPr>
-          <a:xfrm>
-            <a:off x="4206240" y="4514088"/>
-            <a:ext cx="731520" cy="0"/>
-          </a:xfrm>
-          <a:prstGeom prst="straightConnector1">
-            <a:avLst/>
-          </a:prstGeom>
-          <a:ln w="38100">
-            <a:solidFill>
-              <a:schemeClr val="bg1"/>
-            </a:solidFill>
-            <a:tailEnd type="triangle"/>
-          </a:ln>
-        </p:spPr>
-        <p:style>
-          <a:lnRef idx="1">
-            <a:schemeClr val="accent1"/>
-          </a:lnRef>
-          <a:fillRef idx="0">
-            <a:schemeClr val="accent1"/>
-          </a:fillRef>
-          <a:effectRef idx="0">
-            <a:schemeClr val="accent1"/>
-          </a:effectRef>
-          <a:fontRef idx="minor">
-            <a:schemeClr val="tx1"/>
-          </a:fontRef>
-        </p:style>
-      </p:cxnSp>
-      <p:grpSp>
-        <p:nvGrpSpPr>
-          <p:cNvPr id="4" name="Group 3"/>
-          <p:cNvGrpSpPr/>
-          <p:nvPr/>
-        </p:nvGrpSpPr>
-        <p:grpSpPr>
-          <a:xfrm>
-            <a:off x="365760" y="1524001"/>
-            <a:ext cx="3657600" cy="3310128"/>
-            <a:chOff x="182880" y="1371600"/>
-            <a:chExt cx="3657600" cy="3310128"/>
-          </a:xfrm>
-        </p:grpSpPr>
-        <p:sp>
-          <p:nvSpPr>
-            <p:cNvPr id="5" name="Rectangle 4"/>
-            <p:cNvSpPr/>
-            <p:nvPr/>
-          </p:nvSpPr>
-          <p:spPr>
-            <a:xfrm>
-              <a:off x="182880" y="1371600"/>
-              <a:ext cx="3657600" cy="640080"/>
-            </a:xfrm>
-            <a:prstGeom prst="rect">
-              <a:avLst/>
-            </a:prstGeom>
-            <a:solidFill>
-              <a:srgbClr val="B5B5B6">
-                <a:alpha val="70000"/>
-              </a:srgbClr>
-            </a:solidFill>
-            <a:ln>
-              <a:noFill/>
-            </a:ln>
-            <a:effectLst/>
-          </p:spPr>
-          <p:style>
-            <a:lnRef idx="1">
-              <a:schemeClr val="accent1"/>
-            </a:lnRef>
-            <a:fillRef idx="3">
-              <a:schemeClr val="accent1"/>
-            </a:fillRef>
-            <a:effectRef idx="2">
-              <a:schemeClr val="accent1"/>
-            </a:effectRef>
-            <a:fontRef idx="minor">
-              <a:schemeClr val="lt1"/>
-            </a:fontRef>
-          </p:style>
-          <p:txBody>
-            <a:bodyPr rtlCol="0" anchor="ctr" anchorCtr="0"/>
-            <a:lstStyle/>
-            <a:p>
-              <a:pPr algn="r"/>
-              <a:r>
-                <a:rPr lang="en-US" sz="1200" dirty="0">
-                  <a:solidFill>
-                    <a:schemeClr val="bg1"/>
-                  </a:solidFill>
-                  <a:latin typeface="Glacial Indifference" charset="0"/>
-                  <a:ea typeface="Glacial Indifference" charset="0"/>
-                  <a:cs typeface="Glacial Indifference" charset="0"/>
-                </a:rPr>
-                <a:t>Consumer are saturated by other fitness related services and may be resistant to adopt FLEXIT</a:t>
-              </a:r>
-            </a:p>
-          </p:txBody>
-        </p:sp>
-        <p:sp>
-          <p:nvSpPr>
-            <p:cNvPr id="24" name="Rectangle 23"/>
-            <p:cNvSpPr/>
-            <p:nvPr/>
-          </p:nvSpPr>
-          <p:spPr>
-            <a:xfrm>
-              <a:off x="182880" y="2706624"/>
-              <a:ext cx="3657600" cy="640080"/>
-            </a:xfrm>
-            <a:prstGeom prst="rect">
-              <a:avLst/>
-            </a:prstGeom>
-            <a:solidFill>
-              <a:srgbClr val="B5B5B6">
-                <a:alpha val="70000"/>
-              </a:srgbClr>
-            </a:solidFill>
-            <a:ln>
-              <a:noFill/>
-            </a:ln>
-            <a:effectLst/>
-          </p:spPr>
-          <p:style>
-            <a:lnRef idx="1">
-              <a:schemeClr val="accent1"/>
-            </a:lnRef>
-            <a:fillRef idx="3">
-              <a:schemeClr val="accent1"/>
-            </a:fillRef>
-            <a:effectRef idx="2">
-              <a:schemeClr val="accent1"/>
-            </a:effectRef>
-            <a:fontRef idx="minor">
-              <a:schemeClr val="lt1"/>
-            </a:fontRef>
-          </p:style>
-          <p:txBody>
-            <a:bodyPr rtlCol="0" anchor="ctr" anchorCtr="0"/>
-            <a:lstStyle/>
-            <a:p>
-              <a:pPr algn="r"/>
-              <a:r>
-                <a:rPr lang="en-US" sz="1200" dirty="0">
-                  <a:solidFill>
-                    <a:schemeClr val="bg1"/>
-                  </a:solidFill>
-                  <a:latin typeface="Glacial Indifference" charset="0"/>
-                  <a:ea typeface="Glacial Indifference" charset="0"/>
-                  <a:cs typeface="Glacial Indifference" charset="0"/>
-                </a:rPr>
-                <a:t>Gyms are resistant to working with a new player in the space</a:t>
-              </a:r>
-            </a:p>
-          </p:txBody>
-        </p:sp>
-        <p:sp>
-          <p:nvSpPr>
-            <p:cNvPr id="25" name="Rectangle 24"/>
-            <p:cNvSpPr/>
-            <p:nvPr/>
-          </p:nvSpPr>
-          <p:spPr>
-            <a:xfrm>
-              <a:off x="182880" y="3374136"/>
-              <a:ext cx="3657600" cy="640080"/>
-            </a:xfrm>
-            <a:prstGeom prst="rect">
-              <a:avLst/>
-            </a:prstGeom>
-            <a:solidFill>
-              <a:srgbClr val="B5B5B6">
-                <a:alpha val="70000"/>
-              </a:srgbClr>
-            </a:solidFill>
-            <a:ln>
-              <a:noFill/>
-            </a:ln>
-            <a:effectLst/>
-          </p:spPr>
-          <p:style>
-            <a:lnRef idx="1">
-              <a:schemeClr val="accent1"/>
-            </a:lnRef>
-            <a:fillRef idx="3">
-              <a:schemeClr val="accent1"/>
-            </a:fillRef>
-            <a:effectRef idx="2">
-              <a:schemeClr val="accent1"/>
-            </a:effectRef>
-            <a:fontRef idx="minor">
-              <a:schemeClr val="lt1"/>
-            </a:fontRef>
-          </p:style>
-          <p:txBody>
-            <a:bodyPr rtlCol="0" anchor="ctr" anchorCtr="0"/>
-            <a:lstStyle/>
-            <a:p>
-              <a:pPr algn="r"/>
-              <a:r>
-                <a:rPr lang="en-US" sz="1200" dirty="0">
-                  <a:solidFill>
-                    <a:schemeClr val="bg1"/>
-                  </a:solidFill>
-                  <a:latin typeface="Glacial Indifference" charset="0"/>
-                  <a:ea typeface="Glacial Indifference" charset="0"/>
-                  <a:cs typeface="Glacial Indifference" charset="0"/>
-                </a:rPr>
-                <a:t>Low barriers to entry increases competition</a:t>
-              </a:r>
-            </a:p>
-          </p:txBody>
-        </p:sp>
-        <p:sp>
-          <p:nvSpPr>
-            <p:cNvPr id="28" name="Rectangle 27"/>
-            <p:cNvSpPr/>
-            <p:nvPr/>
-          </p:nvSpPr>
-          <p:spPr>
-            <a:xfrm>
-              <a:off x="182880" y="4041648"/>
-              <a:ext cx="3657600" cy="640080"/>
-            </a:xfrm>
-            <a:prstGeom prst="rect">
-              <a:avLst/>
-            </a:prstGeom>
-            <a:solidFill>
-              <a:srgbClr val="B5B5B6">
-                <a:alpha val="70000"/>
-              </a:srgbClr>
-            </a:solidFill>
-            <a:ln>
-              <a:noFill/>
-            </a:ln>
-            <a:effectLst/>
-          </p:spPr>
-          <p:style>
-            <a:lnRef idx="1">
-              <a:schemeClr val="accent1"/>
-            </a:lnRef>
-            <a:fillRef idx="3">
-              <a:schemeClr val="accent1"/>
-            </a:fillRef>
-            <a:effectRef idx="2">
-              <a:schemeClr val="accent1"/>
-            </a:effectRef>
-            <a:fontRef idx="minor">
-              <a:schemeClr val="lt1"/>
-            </a:fontRef>
-          </p:style>
-          <p:txBody>
-            <a:bodyPr rtlCol="0" anchor="ctr" anchorCtr="0"/>
-            <a:lstStyle/>
-            <a:p>
-              <a:pPr algn="r"/>
-              <a:r>
-                <a:rPr lang="en-US" sz="1200" dirty="0">
-                  <a:solidFill>
-                    <a:schemeClr val="bg1"/>
-                  </a:solidFill>
-                  <a:latin typeface="Glacial Indifference" charset="0"/>
-                  <a:ea typeface="Glacial Indifference" charset="0"/>
-                  <a:cs typeface="Glacial Indifference" charset="0"/>
-                </a:rPr>
-                <a:t>Increasingly noisy ecosystem</a:t>
-              </a:r>
-            </a:p>
-          </p:txBody>
-        </p:sp>
-        <p:sp>
-          <p:nvSpPr>
-            <p:cNvPr id="29" name="Rectangle 28"/>
-            <p:cNvSpPr/>
-            <p:nvPr/>
-          </p:nvSpPr>
-          <p:spPr>
-            <a:xfrm>
-              <a:off x="182880" y="2039112"/>
-              <a:ext cx="3657600" cy="640080"/>
-            </a:xfrm>
-            <a:prstGeom prst="rect">
-              <a:avLst/>
-            </a:prstGeom>
-            <a:solidFill>
-              <a:srgbClr val="B5B5B6">
-                <a:alpha val="70000"/>
-              </a:srgbClr>
-            </a:solidFill>
-            <a:ln>
-              <a:noFill/>
-            </a:ln>
-            <a:effectLst/>
-          </p:spPr>
-          <p:style>
-            <a:lnRef idx="1">
-              <a:schemeClr val="accent1"/>
-            </a:lnRef>
-            <a:fillRef idx="3">
-              <a:schemeClr val="accent1"/>
-            </a:fillRef>
-            <a:effectRef idx="2">
-              <a:schemeClr val="accent1"/>
-            </a:effectRef>
-            <a:fontRef idx="minor">
-              <a:schemeClr val="lt1"/>
-            </a:fontRef>
-          </p:style>
-          <p:txBody>
-            <a:bodyPr rtlCol="0" anchor="ctr" anchorCtr="0"/>
-            <a:lstStyle/>
-            <a:p>
-              <a:pPr algn="r"/>
-              <a:r>
-                <a:rPr lang="en-US" sz="1200" dirty="0">
-                  <a:solidFill>
-                    <a:schemeClr val="bg1"/>
-                  </a:solidFill>
-                  <a:latin typeface="Glacial Indifference" charset="0"/>
-                  <a:ea typeface="Glacial Indifference" charset="0"/>
-                  <a:cs typeface="Glacial Indifference" charset="0"/>
-                </a:rPr>
-                <a:t>Gyms are resistant to adopting FLEXIT because it may cannibalize membership-bases</a:t>
-              </a:r>
-            </a:p>
-          </p:txBody>
-        </p:sp>
-      </p:grpSp>
-      <p:grpSp>
-        <p:nvGrpSpPr>
-          <p:cNvPr id="7" name="Group 6"/>
-          <p:cNvGrpSpPr/>
-          <p:nvPr/>
-        </p:nvGrpSpPr>
-        <p:grpSpPr>
-          <a:xfrm>
-            <a:off x="5120640" y="1527048"/>
-            <a:ext cx="3657600" cy="3312189"/>
-            <a:chOff x="5303520" y="1369539"/>
-            <a:chExt cx="3657600" cy="3312189"/>
-          </a:xfrm>
-        </p:grpSpPr>
-        <p:sp>
-          <p:nvSpPr>
-            <p:cNvPr id="23" name="Rectangle 22"/>
-            <p:cNvSpPr/>
-            <p:nvPr/>
-          </p:nvSpPr>
-          <p:spPr>
-            <a:xfrm>
-              <a:off x="5303520" y="2040333"/>
-              <a:ext cx="3657600" cy="640080"/>
-            </a:xfrm>
-            <a:prstGeom prst="rect">
-              <a:avLst/>
-            </a:prstGeom>
-            <a:solidFill>
-              <a:srgbClr val="00B4D2">
-                <a:alpha val="70000"/>
-              </a:srgbClr>
-            </a:solidFill>
-            <a:ln>
-              <a:noFill/>
-            </a:ln>
-            <a:effectLst/>
-          </p:spPr>
-          <p:style>
-            <a:lnRef idx="1">
-              <a:schemeClr val="accent1"/>
-            </a:lnRef>
-            <a:fillRef idx="3">
-              <a:schemeClr val="accent1"/>
-            </a:fillRef>
-            <a:effectRef idx="2">
-              <a:schemeClr val="accent1"/>
-            </a:effectRef>
-            <a:fontRef idx="minor">
-              <a:schemeClr val="lt1"/>
-            </a:fontRef>
-          </p:style>
-          <p:txBody>
-            <a:bodyPr rtlCol="0" anchor="ctr" anchorCtr="0"/>
-            <a:lstStyle/>
-            <a:p>
-              <a:r>
-                <a:rPr lang="en-US" sz="1200" dirty="0">
-                  <a:solidFill>
-                    <a:schemeClr val="bg1"/>
-                  </a:solidFill>
-                  <a:latin typeface="Glacial Indifference" charset="0"/>
-                  <a:ea typeface="Glacial Indifference" charset="0"/>
-                  <a:cs typeface="Glacial Indifference" charset="0"/>
-                </a:rPr>
-                <a:t>FLEXIT is designed to bring new users and prospective members that will offset losses in membership</a:t>
-              </a:r>
-            </a:p>
-          </p:txBody>
-        </p:sp>
-        <p:sp>
-          <p:nvSpPr>
-            <p:cNvPr id="26" name="Rectangle 25"/>
-            <p:cNvSpPr/>
-            <p:nvPr/>
-          </p:nvSpPr>
-          <p:spPr>
-            <a:xfrm>
-              <a:off x="5303520" y="2706624"/>
-              <a:ext cx="3657600" cy="640080"/>
-            </a:xfrm>
-            <a:prstGeom prst="rect">
-              <a:avLst/>
-            </a:prstGeom>
-            <a:solidFill>
-              <a:srgbClr val="00B4D2">
-                <a:alpha val="70000"/>
-              </a:srgbClr>
-            </a:solidFill>
-            <a:ln>
-              <a:noFill/>
-            </a:ln>
-            <a:effectLst/>
-          </p:spPr>
-          <p:style>
-            <a:lnRef idx="1">
-              <a:schemeClr val="accent1"/>
-            </a:lnRef>
-            <a:fillRef idx="3">
-              <a:schemeClr val="accent1"/>
-            </a:fillRef>
-            <a:effectRef idx="2">
-              <a:schemeClr val="accent1"/>
-            </a:effectRef>
-            <a:fontRef idx="minor">
-              <a:schemeClr val="lt1"/>
-            </a:fontRef>
-          </p:style>
-          <p:txBody>
-            <a:bodyPr rtlCol="0" anchor="ctr" anchorCtr="0"/>
-            <a:lstStyle/>
-            <a:p>
-              <a:r>
-                <a:rPr lang="en-US" sz="1200" dirty="0">
-                  <a:solidFill>
-                    <a:schemeClr val="bg1"/>
-                  </a:solidFill>
-                  <a:latin typeface="Glacial Indifference" charset="0"/>
-                  <a:ea typeface="Glacial Indifference" charset="0"/>
-                  <a:cs typeface="Glacial Indifference" charset="0"/>
-                </a:rPr>
-                <a:t>FLEXIT’s corporate team has deep industry success, expertise and C-level relationships at the biggest national gym chains in the country</a:t>
-              </a:r>
-            </a:p>
-          </p:txBody>
-        </p:sp>
-        <p:sp>
-          <p:nvSpPr>
-            <p:cNvPr id="31" name="Rectangle 30"/>
-            <p:cNvSpPr/>
-            <p:nvPr/>
-          </p:nvSpPr>
-          <p:spPr>
-            <a:xfrm>
-              <a:off x="5303520" y="3374136"/>
-              <a:ext cx="3657600" cy="640080"/>
-            </a:xfrm>
-            <a:prstGeom prst="rect">
-              <a:avLst/>
-            </a:prstGeom>
-            <a:solidFill>
-              <a:srgbClr val="00B4D2">
-                <a:alpha val="70000"/>
-              </a:srgbClr>
-            </a:solidFill>
-            <a:ln>
-              <a:noFill/>
-            </a:ln>
-            <a:effectLst/>
-          </p:spPr>
-          <p:style>
-            <a:lnRef idx="1">
-              <a:schemeClr val="accent1"/>
-            </a:lnRef>
-            <a:fillRef idx="3">
-              <a:schemeClr val="accent1"/>
-            </a:fillRef>
-            <a:effectRef idx="2">
-              <a:schemeClr val="accent1"/>
-            </a:effectRef>
-            <a:fontRef idx="minor">
-              <a:schemeClr val="lt1"/>
-            </a:fontRef>
-          </p:style>
-          <p:txBody>
-            <a:bodyPr rtlCol="0" anchor="ctr" anchorCtr="0"/>
-            <a:lstStyle/>
-            <a:p>
-              <a:r>
-                <a:rPr lang="en-US" sz="1200" dirty="0">
-                  <a:solidFill>
-                    <a:schemeClr val="bg1"/>
-                  </a:solidFill>
-                  <a:latin typeface="Glacial Indifference" charset="0"/>
-                  <a:ea typeface="Glacial Indifference" charset="0"/>
-                  <a:cs typeface="Glacial Indifference" charset="0"/>
-                </a:rPr>
-                <a:t>FLEXIT’s competitive advantage is its deep industry relationships and existing soft commitments and industry knowledge</a:t>
-              </a:r>
-            </a:p>
-          </p:txBody>
-        </p:sp>
-        <p:sp>
-          <p:nvSpPr>
-            <p:cNvPr id="32" name="Rectangle 31"/>
-            <p:cNvSpPr/>
-            <p:nvPr/>
-          </p:nvSpPr>
-          <p:spPr>
-            <a:xfrm>
-              <a:off x="5303520" y="4041648"/>
-              <a:ext cx="3657600" cy="640080"/>
-            </a:xfrm>
-            <a:prstGeom prst="rect">
-              <a:avLst/>
-            </a:prstGeom>
-            <a:solidFill>
-              <a:srgbClr val="00B4D2">
-                <a:alpha val="70000"/>
-              </a:srgbClr>
-            </a:solidFill>
-            <a:ln>
-              <a:noFill/>
-            </a:ln>
-            <a:effectLst/>
-          </p:spPr>
-          <p:style>
-            <a:lnRef idx="1">
-              <a:schemeClr val="accent1"/>
-            </a:lnRef>
-            <a:fillRef idx="3">
-              <a:schemeClr val="accent1"/>
-            </a:fillRef>
-            <a:effectRef idx="2">
-              <a:schemeClr val="accent1"/>
-            </a:effectRef>
-            <a:fontRef idx="minor">
-              <a:schemeClr val="lt1"/>
-            </a:fontRef>
-          </p:style>
-          <p:txBody>
-            <a:bodyPr rtlCol="0" anchor="ctr" anchorCtr="0"/>
-            <a:lstStyle/>
-            <a:p>
-              <a:r>
-                <a:rPr lang="en-US" sz="1200" dirty="0">
-                  <a:solidFill>
-                    <a:schemeClr val="bg1"/>
-                  </a:solidFill>
-                  <a:latin typeface="Glacial Indifference" charset="0"/>
-                  <a:ea typeface="Glacial Indifference" charset="0"/>
-                  <a:cs typeface="Glacial Indifference" charset="0"/>
-                </a:rPr>
-                <a:t>FLEXIT fills a niche segment of the market and addresses and untapped need</a:t>
-              </a:r>
-            </a:p>
-          </p:txBody>
-        </p:sp>
-        <p:sp>
-          <p:nvSpPr>
-            <p:cNvPr id="36" name="Rectangle 35"/>
-            <p:cNvSpPr/>
-            <p:nvPr/>
-          </p:nvSpPr>
-          <p:spPr>
-            <a:xfrm>
-              <a:off x="5303520" y="1369539"/>
-              <a:ext cx="3657600" cy="640080"/>
-            </a:xfrm>
-            <a:prstGeom prst="rect">
-              <a:avLst/>
-            </a:prstGeom>
-            <a:solidFill>
-              <a:srgbClr val="00B4D2">
-                <a:alpha val="70000"/>
-              </a:srgbClr>
-            </a:solidFill>
-            <a:ln>
-              <a:noFill/>
-            </a:ln>
-            <a:effectLst/>
-          </p:spPr>
-          <p:style>
-            <a:lnRef idx="1">
-              <a:schemeClr val="accent1"/>
-            </a:lnRef>
-            <a:fillRef idx="3">
-              <a:schemeClr val="accent1"/>
-            </a:fillRef>
-            <a:effectRef idx="2">
-              <a:schemeClr val="accent1"/>
-            </a:effectRef>
-            <a:fontRef idx="minor">
-              <a:schemeClr val="lt1"/>
-            </a:fontRef>
-          </p:style>
-          <p:txBody>
-            <a:bodyPr rtlCol="0" anchor="ctr" anchorCtr="0"/>
-            <a:lstStyle/>
-            <a:p>
-              <a:r>
-                <a:rPr lang="en-US" sz="1200" dirty="0">
-                  <a:solidFill>
-                    <a:schemeClr val="bg1"/>
-                  </a:solidFill>
-                  <a:latin typeface="Glacial Indifference" charset="0"/>
-                  <a:ea typeface="Glacial Indifference" charset="0"/>
-                  <a:cs typeface="Glacial Indifference" charset="0"/>
-                </a:rPr>
-                <a:t>FLEXIT’s customer acquisition strategy is designed to promote its value proposition using a compressive approach</a:t>
-              </a:r>
-            </a:p>
-          </p:txBody>
-        </p:sp>
-      </p:grpSp>
-      <p:cxnSp>
-        <p:nvCxnSpPr>
-          <p:cNvPr id="38" name="Straight Arrow Connector 37"/>
-          <p:cNvCxnSpPr/>
-          <p:nvPr/>
-        </p:nvCxnSpPr>
-        <p:spPr>
-          <a:xfrm>
-            <a:off x="4206240" y="1844041"/>
-            <a:ext cx="731520" cy="0"/>
-          </a:xfrm>
-          <a:prstGeom prst="straightConnector1">
-            <a:avLst/>
-          </a:prstGeom>
-          <a:ln w="38100">
-            <a:solidFill>
-              <a:schemeClr val="bg1"/>
-            </a:solidFill>
-            <a:tailEnd type="triangle"/>
-          </a:ln>
-        </p:spPr>
-        <p:style>
-          <a:lnRef idx="1">
-            <a:schemeClr val="accent1"/>
-          </a:lnRef>
-          <a:fillRef idx="0">
-            <a:schemeClr val="accent1"/>
-          </a:fillRef>
-          <a:effectRef idx="0">
-            <a:schemeClr val="accent1"/>
-          </a:effectRef>
-          <a:fontRef idx="minor">
-            <a:schemeClr val="tx1"/>
-          </a:fontRef>
-        </p:style>
-      </p:cxnSp>
-      <p:sp>
-        <p:nvSpPr>
-          <p:cNvPr id="46" name="TextBox 45"/>
-          <p:cNvSpPr txBox="1"/>
-          <p:nvPr/>
-        </p:nvSpPr>
-        <p:spPr>
-          <a:xfrm>
-            <a:off x="7342556" y="91440"/>
-            <a:ext cx="1816942" cy="200055"/>
-          </a:xfrm>
-          <a:prstGeom prst="rect">
-            <a:avLst/>
-          </a:prstGeom>
-          <a:noFill/>
-        </p:spPr>
-        <p:txBody>
-          <a:bodyPr wrap="square" rtlCol="0">
-            <a:spAutoFit/>
-          </a:bodyPr>
-          <a:lstStyle/>
-          <a:p>
-            <a:r>
-              <a:rPr lang="en-US" sz="700" dirty="0" smtClean="0">
-                <a:solidFill>
-                  <a:schemeClr val="bg1"/>
-                </a:solidFill>
-                <a:latin typeface="Glacial Indifference" charset="0"/>
-                <a:ea typeface="Glacial Indifference" charset="0"/>
-                <a:cs typeface="Glacial Indifference" charset="0"/>
-              </a:rPr>
-              <a:t>OPPORTUNITY | </a:t>
-            </a:r>
-            <a:r>
-              <a:rPr lang="en-US" sz="700" b="1" dirty="0" smtClean="0">
-                <a:solidFill>
-                  <a:schemeClr val="bg1"/>
-                </a:solidFill>
-                <a:latin typeface="Glacial Indifference" charset="0"/>
-                <a:ea typeface="Glacial Indifference" charset="0"/>
-                <a:cs typeface="Glacial Indifference" charset="0"/>
-              </a:rPr>
-              <a:t>SOLUTION</a:t>
-            </a:r>
-            <a:r>
-              <a:rPr lang="en-US" sz="700" dirty="0" smtClean="0">
-                <a:solidFill>
-                  <a:schemeClr val="bg1"/>
-                </a:solidFill>
-                <a:latin typeface="Glacial Indifference" charset="0"/>
-                <a:ea typeface="Glacial Indifference" charset="0"/>
-                <a:cs typeface="Glacial Indifference" charset="0"/>
-              </a:rPr>
-              <a:t> | BUSINESS</a:t>
-            </a:r>
-            <a:endParaRPr lang="en-US" sz="700" dirty="0">
-              <a:solidFill>
-                <a:schemeClr val="bg1"/>
-              </a:solidFill>
-              <a:latin typeface="Glacial Indifference" charset="0"/>
-              <a:ea typeface="Glacial Indifference" charset="0"/>
-              <a:cs typeface="Glacial Indifference" charset="0"/>
-            </a:endParaRPr>
-          </a:p>
-        </p:txBody>
-      </p:sp>
-      <p:pic>
-        <p:nvPicPr>
-          <p:cNvPr id="47" name="Picture 46"/>
-          <p:cNvPicPr>
-            <a:picLocks noChangeAspect="1"/>
-          </p:cNvPicPr>
-          <p:nvPr/>
-        </p:nvPicPr>
-        <p:blipFill>
-          <a:blip r:embed="rId4">
-            <a:extLst>
-              <a:ext uri="{28A0092B-C50C-407E-A947-70E740481C1C}">
-                <a14:useLocalDpi xmlns:a14="http://schemas.microsoft.com/office/drawing/2010/main" val="0"/>
-              </a:ext>
-            </a:extLst>
-          </a:blip>
-          <a:stretch>
-            <a:fillRect/>
-          </a:stretch>
-        </p:blipFill>
-        <p:spPr>
-          <a:xfrm>
-            <a:off x="149895" y="138733"/>
-            <a:ext cx="883015" cy="98845"/>
-          </a:xfrm>
-          <a:prstGeom prst="rect">
-            <a:avLst/>
-          </a:prstGeom>
-        </p:spPr>
-      </p:pic>
-      <p:sp>
-        <p:nvSpPr>
-          <p:cNvPr id="48" name="TextBox 47"/>
-          <p:cNvSpPr txBox="1"/>
-          <p:nvPr/>
-        </p:nvSpPr>
-        <p:spPr>
-          <a:xfrm>
-            <a:off x="470743" y="417364"/>
-            <a:ext cx="6698981" cy="461665"/>
-          </a:xfrm>
-          <a:prstGeom prst="rect">
-            <a:avLst/>
-          </a:prstGeom>
-          <a:noFill/>
-        </p:spPr>
-        <p:txBody>
-          <a:bodyPr wrap="square" rtlCol="0">
-            <a:spAutoFit/>
-          </a:bodyPr>
-          <a:lstStyle/>
-          <a:p>
-            <a:pPr lvl="0">
-              <a:tabLst>
-                <a:tab pos="1306513" algn="l"/>
-              </a:tabLst>
-            </a:pPr>
-            <a:r>
-              <a:rPr lang="en-US" sz="2400" b="1" dirty="0">
-                <a:solidFill>
-                  <a:schemeClr val="bg1"/>
-                </a:solidFill>
-                <a:latin typeface="Glacial Indifference" charset="0"/>
-                <a:ea typeface="Glacial Indifference" charset="0"/>
-                <a:cs typeface="Glacial Indifference" charset="0"/>
-                <a:sym typeface="Montserrat Medium"/>
-              </a:rPr>
-              <a:t>What about the platform’s risks?</a:t>
-            </a:r>
-            <a:endParaRPr lang="en-US" sz="2400" b="1" dirty="0">
-              <a:solidFill>
-                <a:schemeClr val="bg1"/>
-              </a:solidFill>
-              <a:latin typeface="Glacial Indifference" charset="0"/>
-              <a:ea typeface="Glacial Indifference" charset="0"/>
-              <a:cs typeface="Glacial Indifference" charset="0"/>
-              <a:sym typeface="Montserrat Medium"/>
-            </a:endParaRPr>
-          </a:p>
-        </p:txBody>
-      </p:sp>
-    </p:spTree>
-    <p:extLst>
-      <p:ext uri="{BB962C8B-B14F-4D97-AF65-F5344CB8AC3E}">
-        <p14:creationId xmlns:p14="http://schemas.microsoft.com/office/powerpoint/2010/main" val="1169746885"/>
-      </p:ext>
-    </p:extLst>
-  </p:cSld>
-  <p:clrMapOvr>
-    <a:masterClrMapping/>
-  </p:clrMapOvr>
-  <p:timing>
-    <p:tnLst>
-      <p:par>
-        <p:cTn id="1" dur="indefinite" restart="never" nodeType="tmRoot"/>
-      </p:par>
-    </p:tnLst>
-  </p:timing>
-</p:sld>
-</file>
-
-<file path=ppt/slides/slide13.xml><?xml version="1.0" encoding="utf-8"?>
 <p:sld xmlns:a="http://schemas.openxmlformats.org/drawingml/2006/main" xmlns:r="http://schemas.openxmlformats.org/officeDocument/2006/relationships" xmlns:p="http://schemas.openxmlformats.org/presentationml/2006/main">
   <p:cSld>
     <p:spTree>
@@ -27438,7 +26231,7 @@
                 <a:cs typeface="Montserrat"/>
                 <a:sym typeface="Montserrat"/>
               </a:rPr>
-              <a:t>13</a:t>
+              <a:t>12</a:t>
             </a:fld>
             <a:endParaRPr dirty="0">
               <a:solidFill>
@@ -31141,6 +29934,1423 @@
 </p:sld>
 </file>
 
+<file path=ppt/slides/slide13.xml><?xml version="1.0" encoding="utf-8"?>
+<p:sld xmlns:a="http://schemas.openxmlformats.org/drawingml/2006/main" xmlns:r="http://schemas.openxmlformats.org/officeDocument/2006/relationships" xmlns:p="http://schemas.openxmlformats.org/presentationml/2006/main">
+  <p:cSld>
+    <p:spTree>
+      <p:nvGrpSpPr>
+        <p:cNvPr id="1" name="Shape 404"/>
+        <p:cNvGrpSpPr/>
+        <p:nvPr/>
+      </p:nvGrpSpPr>
+      <p:grpSpPr>
+        <a:xfrm>
+          <a:off x="0" y="0"/>
+          <a:ext cx="0" cy="0"/>
+          <a:chOff x="0" y="0"/>
+          <a:chExt cx="0" cy="0"/>
+        </a:xfrm>
+      </p:grpSpPr>
+      <p:pic>
+        <p:nvPicPr>
+          <p:cNvPr id="40" name="Picture 39"/>
+          <p:cNvPicPr>
+            <a:picLocks noChangeAspect="1"/>
+          </p:cNvPicPr>
+          <p:nvPr/>
+        </p:nvPicPr>
+        <p:blipFill rotWithShape="1">
+          <a:blip r:embed="rId3"/>
+          <a:srcRect t="10710" r="642" b="6073"/>
+          <a:stretch/>
+        </p:blipFill>
+        <p:spPr>
+          <a:xfrm flipH="1">
+            <a:off x="0" y="0"/>
+            <a:ext cx="9159498" cy="5143500"/>
+          </a:xfrm>
+          <a:prstGeom prst="rect">
+            <a:avLst/>
+          </a:prstGeom>
+        </p:spPr>
+      </p:pic>
+      <p:sp>
+        <p:nvSpPr>
+          <p:cNvPr id="406" name="Shape 406"/>
+          <p:cNvSpPr txBox="1">
+            <a:spLocks noGrp="1"/>
+          </p:cNvSpPr>
+          <p:nvPr>
+            <p:ph type="sldNum" idx="12"/>
+          </p:nvPr>
+        </p:nvSpPr>
+        <p:spPr>
+          <a:xfrm>
+            <a:off x="8686800" y="4800600"/>
+            <a:ext cx="365760" cy="237744"/>
+          </a:xfrm>
+          <a:prstGeom prst="rect">
+            <a:avLst/>
+          </a:prstGeom>
+        </p:spPr>
+        <p:txBody>
+          <a:bodyPr spcFirstLastPara="1" wrap="square" lIns="91425" tIns="91425" rIns="91425" bIns="91425" anchor="ctr" anchorCtr="0">
+            <a:noAutofit/>
+          </a:bodyPr>
+          <a:lstStyle/>
+          <a:p>
+            <a:pPr marL="0" lvl="0" indent="0" rtl="0">
+              <a:spcBef>
+                <a:spcPts val="0"/>
+              </a:spcBef>
+              <a:spcAft>
+                <a:spcPts val="0"/>
+              </a:spcAft>
+              <a:buNone/>
+            </a:pPr>
+            <a:fld id="{00000000-1234-1234-1234-123412341234}" type="slidenum">
+              <a:rPr lang="en">
+                <a:solidFill>
+                  <a:schemeClr val="bg1"/>
+                </a:solidFill>
+                <a:latin typeface="Montserrat"/>
+                <a:ea typeface="Montserrat"/>
+                <a:cs typeface="Montserrat"/>
+                <a:sym typeface="Montserrat"/>
+              </a:rPr>
+              <a:t>13</a:t>
+            </a:fld>
+            <a:endParaRPr dirty="0">
+              <a:solidFill>
+                <a:schemeClr val="bg1"/>
+              </a:solidFill>
+              <a:latin typeface="Montserrat"/>
+              <a:ea typeface="Montserrat"/>
+              <a:cs typeface="Montserrat"/>
+              <a:sym typeface="Montserrat"/>
+            </a:endParaRPr>
+          </a:p>
+        </p:txBody>
+      </p:sp>
+      <p:sp>
+        <p:nvSpPr>
+          <p:cNvPr id="37" name="Rectangle 36"/>
+          <p:cNvSpPr/>
+          <p:nvPr/>
+        </p:nvSpPr>
+        <p:spPr>
+          <a:xfrm>
+            <a:off x="367802" y="1087155"/>
+            <a:ext cx="3655558" cy="748260"/>
+          </a:xfrm>
+          <a:prstGeom prst="rect">
+            <a:avLst/>
+          </a:prstGeom>
+          <a:noFill/>
+          <a:ln>
+            <a:noFill/>
+          </a:ln>
+          <a:effectLst/>
+        </p:spPr>
+        <p:style>
+          <a:lnRef idx="1">
+            <a:schemeClr val="accent1"/>
+          </a:lnRef>
+          <a:fillRef idx="3">
+            <a:schemeClr val="accent1"/>
+          </a:fillRef>
+          <a:effectRef idx="2">
+            <a:schemeClr val="accent1"/>
+          </a:effectRef>
+          <a:fontRef idx="minor">
+            <a:schemeClr val="lt1"/>
+          </a:fontRef>
+        </p:style>
+        <p:txBody>
+          <a:bodyPr rtlCol="0" anchor="t" anchorCtr="0"/>
+          <a:lstStyle/>
+          <a:p>
+            <a:pPr algn="ctr"/>
+            <a:r>
+              <a:rPr lang="en-US" sz="1800" b="1" dirty="0" smtClean="0">
+                <a:solidFill>
+                  <a:schemeClr val="bg1"/>
+                </a:solidFill>
+                <a:latin typeface="Glacial Indifference" charset="0"/>
+                <a:ea typeface="Glacial Indifference" charset="0"/>
+                <a:cs typeface="Glacial Indifference" charset="0"/>
+              </a:rPr>
+              <a:t>Risks</a:t>
+            </a:r>
+            <a:endParaRPr lang="en-US" sz="1800" b="1" dirty="0">
+              <a:solidFill>
+                <a:schemeClr val="bg1"/>
+              </a:solidFill>
+              <a:latin typeface="Glacial Indifference" charset="0"/>
+              <a:ea typeface="Glacial Indifference" charset="0"/>
+              <a:cs typeface="Glacial Indifference" charset="0"/>
+            </a:endParaRPr>
+          </a:p>
+        </p:txBody>
+      </p:sp>
+      <p:sp>
+        <p:nvSpPr>
+          <p:cNvPr id="39" name="Rectangle 38"/>
+          <p:cNvSpPr/>
+          <p:nvPr/>
+        </p:nvSpPr>
+        <p:spPr>
+          <a:xfrm>
+            <a:off x="5120639" y="1087155"/>
+            <a:ext cx="3657601" cy="748260"/>
+          </a:xfrm>
+          <a:prstGeom prst="rect">
+            <a:avLst/>
+          </a:prstGeom>
+          <a:noFill/>
+          <a:ln>
+            <a:noFill/>
+          </a:ln>
+          <a:effectLst/>
+        </p:spPr>
+        <p:style>
+          <a:lnRef idx="1">
+            <a:schemeClr val="accent1"/>
+          </a:lnRef>
+          <a:fillRef idx="3">
+            <a:schemeClr val="accent1"/>
+          </a:fillRef>
+          <a:effectRef idx="2">
+            <a:schemeClr val="accent1"/>
+          </a:effectRef>
+          <a:fontRef idx="minor">
+            <a:schemeClr val="lt1"/>
+          </a:fontRef>
+        </p:style>
+        <p:txBody>
+          <a:bodyPr rtlCol="0" anchor="t" anchorCtr="0"/>
+          <a:lstStyle/>
+          <a:p>
+            <a:pPr algn="ctr"/>
+            <a:r>
+              <a:rPr lang="en-US" sz="1800" b="1" dirty="0" smtClean="0">
+                <a:solidFill>
+                  <a:schemeClr val="bg1"/>
+                </a:solidFill>
+                <a:latin typeface="Glacial Indifference" charset="0"/>
+                <a:ea typeface="Glacial Indifference" charset="0"/>
+                <a:cs typeface="Glacial Indifference" charset="0"/>
+              </a:rPr>
+              <a:t>Mitigants</a:t>
+            </a:r>
+            <a:endParaRPr lang="en-US" sz="1800" b="1" dirty="0">
+              <a:solidFill>
+                <a:schemeClr val="bg1"/>
+              </a:solidFill>
+              <a:latin typeface="Glacial Indifference" charset="0"/>
+              <a:ea typeface="Glacial Indifference" charset="0"/>
+              <a:cs typeface="Glacial Indifference" charset="0"/>
+            </a:endParaRPr>
+          </a:p>
+        </p:txBody>
+      </p:sp>
+      <p:cxnSp>
+        <p:nvCxnSpPr>
+          <p:cNvPr id="3" name="Straight Arrow Connector 2"/>
+          <p:cNvCxnSpPr/>
+          <p:nvPr/>
+        </p:nvCxnSpPr>
+        <p:spPr>
+          <a:xfrm flipV="1">
+            <a:off x="4206240" y="2479803"/>
+            <a:ext cx="731520" cy="0"/>
+          </a:xfrm>
+          <a:prstGeom prst="straightConnector1">
+            <a:avLst/>
+          </a:prstGeom>
+          <a:ln w="38100">
+            <a:solidFill>
+              <a:schemeClr val="bg1"/>
+            </a:solidFill>
+            <a:tailEnd type="triangle"/>
+          </a:ln>
+        </p:spPr>
+        <p:style>
+          <a:lnRef idx="1">
+            <a:schemeClr val="accent1"/>
+          </a:lnRef>
+          <a:fillRef idx="0">
+            <a:schemeClr val="accent1"/>
+          </a:fillRef>
+          <a:effectRef idx="0">
+            <a:schemeClr val="accent1"/>
+          </a:effectRef>
+          <a:fontRef idx="minor">
+            <a:schemeClr val="tx1"/>
+          </a:fontRef>
+        </p:style>
+      </p:cxnSp>
+      <p:cxnSp>
+        <p:nvCxnSpPr>
+          <p:cNvPr id="21" name="Straight Arrow Connector 20"/>
+          <p:cNvCxnSpPr/>
+          <p:nvPr/>
+        </p:nvCxnSpPr>
+        <p:spPr>
+          <a:xfrm flipV="1">
+            <a:off x="4206240" y="3115565"/>
+            <a:ext cx="731520" cy="0"/>
+          </a:xfrm>
+          <a:prstGeom prst="straightConnector1">
+            <a:avLst/>
+          </a:prstGeom>
+          <a:ln w="38100">
+            <a:solidFill>
+              <a:schemeClr val="bg1"/>
+            </a:solidFill>
+            <a:tailEnd type="triangle"/>
+          </a:ln>
+        </p:spPr>
+        <p:style>
+          <a:lnRef idx="1">
+            <a:schemeClr val="accent1"/>
+          </a:lnRef>
+          <a:fillRef idx="0">
+            <a:schemeClr val="accent1"/>
+          </a:fillRef>
+          <a:effectRef idx="0">
+            <a:schemeClr val="accent1"/>
+          </a:effectRef>
+          <a:fontRef idx="minor">
+            <a:schemeClr val="tx1"/>
+          </a:fontRef>
+        </p:style>
+      </p:cxnSp>
+      <p:cxnSp>
+        <p:nvCxnSpPr>
+          <p:cNvPr id="22" name="Straight Arrow Connector 21"/>
+          <p:cNvCxnSpPr/>
+          <p:nvPr/>
+        </p:nvCxnSpPr>
+        <p:spPr>
+          <a:xfrm>
+            <a:off x="4206240" y="3751327"/>
+            <a:ext cx="731520" cy="0"/>
+          </a:xfrm>
+          <a:prstGeom prst="straightConnector1">
+            <a:avLst/>
+          </a:prstGeom>
+          <a:ln w="38100">
+            <a:solidFill>
+              <a:schemeClr val="bg1"/>
+            </a:solidFill>
+            <a:tailEnd type="triangle"/>
+          </a:ln>
+        </p:spPr>
+        <p:style>
+          <a:lnRef idx="1">
+            <a:schemeClr val="accent1"/>
+          </a:lnRef>
+          <a:fillRef idx="0">
+            <a:schemeClr val="accent1"/>
+          </a:fillRef>
+          <a:effectRef idx="0">
+            <a:schemeClr val="accent1"/>
+          </a:effectRef>
+          <a:fontRef idx="minor">
+            <a:schemeClr val="tx1"/>
+          </a:fontRef>
+        </p:style>
+      </p:cxnSp>
+      <p:cxnSp>
+        <p:nvCxnSpPr>
+          <p:cNvPr id="27" name="Straight Arrow Connector 26"/>
+          <p:cNvCxnSpPr/>
+          <p:nvPr/>
+        </p:nvCxnSpPr>
+        <p:spPr>
+          <a:xfrm>
+            <a:off x="4206240" y="4387088"/>
+            <a:ext cx="731520" cy="0"/>
+          </a:xfrm>
+          <a:prstGeom prst="straightConnector1">
+            <a:avLst/>
+          </a:prstGeom>
+          <a:ln w="38100">
+            <a:solidFill>
+              <a:schemeClr val="bg1"/>
+            </a:solidFill>
+            <a:tailEnd type="triangle"/>
+          </a:ln>
+        </p:spPr>
+        <p:style>
+          <a:lnRef idx="1">
+            <a:schemeClr val="accent1"/>
+          </a:lnRef>
+          <a:fillRef idx="0">
+            <a:schemeClr val="accent1"/>
+          </a:fillRef>
+          <a:effectRef idx="0">
+            <a:schemeClr val="accent1"/>
+          </a:effectRef>
+          <a:fontRef idx="minor">
+            <a:schemeClr val="tx1"/>
+          </a:fontRef>
+        </p:style>
+      </p:cxnSp>
+      <p:cxnSp>
+        <p:nvCxnSpPr>
+          <p:cNvPr id="38" name="Straight Arrow Connector 37"/>
+          <p:cNvCxnSpPr/>
+          <p:nvPr/>
+        </p:nvCxnSpPr>
+        <p:spPr>
+          <a:xfrm>
+            <a:off x="4206240" y="1844041"/>
+            <a:ext cx="731520" cy="0"/>
+          </a:xfrm>
+          <a:prstGeom prst="straightConnector1">
+            <a:avLst/>
+          </a:prstGeom>
+          <a:ln w="38100">
+            <a:solidFill>
+              <a:schemeClr val="bg1"/>
+            </a:solidFill>
+            <a:tailEnd type="triangle"/>
+          </a:ln>
+        </p:spPr>
+        <p:style>
+          <a:lnRef idx="1">
+            <a:schemeClr val="accent1"/>
+          </a:lnRef>
+          <a:fillRef idx="0">
+            <a:schemeClr val="accent1"/>
+          </a:fillRef>
+          <a:effectRef idx="0">
+            <a:schemeClr val="accent1"/>
+          </a:effectRef>
+          <a:fontRef idx="minor">
+            <a:schemeClr val="tx1"/>
+          </a:fontRef>
+        </p:style>
+      </p:cxnSp>
+      <p:sp>
+        <p:nvSpPr>
+          <p:cNvPr id="46" name="TextBox 45"/>
+          <p:cNvSpPr txBox="1"/>
+          <p:nvPr/>
+        </p:nvSpPr>
+        <p:spPr>
+          <a:xfrm>
+            <a:off x="7342556" y="91440"/>
+            <a:ext cx="1816942" cy="200055"/>
+          </a:xfrm>
+          <a:prstGeom prst="rect">
+            <a:avLst/>
+          </a:prstGeom>
+          <a:noFill/>
+        </p:spPr>
+        <p:txBody>
+          <a:bodyPr wrap="square" rtlCol="0">
+            <a:spAutoFit/>
+          </a:bodyPr>
+          <a:lstStyle/>
+          <a:p>
+            <a:r>
+              <a:rPr lang="en-US" sz="700" dirty="0" smtClean="0">
+                <a:solidFill>
+                  <a:schemeClr val="bg1"/>
+                </a:solidFill>
+                <a:latin typeface="Glacial Indifference" charset="0"/>
+                <a:ea typeface="Glacial Indifference" charset="0"/>
+                <a:cs typeface="Glacial Indifference" charset="0"/>
+              </a:rPr>
+              <a:t>OPPORTUNITY | SOLUTION | </a:t>
+            </a:r>
+            <a:r>
+              <a:rPr lang="en-US" sz="700" b="1" dirty="0" smtClean="0">
+                <a:solidFill>
+                  <a:schemeClr val="bg1"/>
+                </a:solidFill>
+                <a:latin typeface="Glacial Indifference" charset="0"/>
+                <a:ea typeface="Glacial Indifference" charset="0"/>
+                <a:cs typeface="Glacial Indifference" charset="0"/>
+              </a:rPr>
+              <a:t>BUSINESS</a:t>
+            </a:r>
+            <a:endParaRPr lang="en-US" sz="700" b="1" dirty="0">
+              <a:solidFill>
+                <a:schemeClr val="bg1"/>
+              </a:solidFill>
+              <a:latin typeface="Glacial Indifference" charset="0"/>
+              <a:ea typeface="Glacial Indifference" charset="0"/>
+              <a:cs typeface="Glacial Indifference" charset="0"/>
+            </a:endParaRPr>
+          </a:p>
+        </p:txBody>
+      </p:sp>
+      <p:pic>
+        <p:nvPicPr>
+          <p:cNvPr id="47" name="Picture 46"/>
+          <p:cNvPicPr>
+            <a:picLocks noChangeAspect="1"/>
+          </p:cNvPicPr>
+          <p:nvPr/>
+        </p:nvPicPr>
+        <p:blipFill>
+          <a:blip r:embed="rId4">
+            <a:extLst>
+              <a:ext uri="{28A0092B-C50C-407E-A947-70E740481C1C}">
+                <a14:useLocalDpi xmlns:a14="http://schemas.microsoft.com/office/drawing/2010/main" val="0"/>
+              </a:ext>
+            </a:extLst>
+          </a:blip>
+          <a:stretch>
+            <a:fillRect/>
+          </a:stretch>
+        </p:blipFill>
+        <p:spPr>
+          <a:xfrm>
+            <a:off x="149895" y="138733"/>
+            <a:ext cx="883015" cy="98845"/>
+          </a:xfrm>
+          <a:prstGeom prst="rect">
+            <a:avLst/>
+          </a:prstGeom>
+        </p:spPr>
+      </p:pic>
+      <p:sp>
+        <p:nvSpPr>
+          <p:cNvPr id="48" name="TextBox 47"/>
+          <p:cNvSpPr txBox="1"/>
+          <p:nvPr/>
+        </p:nvSpPr>
+        <p:spPr>
+          <a:xfrm>
+            <a:off x="470743" y="417364"/>
+            <a:ext cx="6698981" cy="461665"/>
+          </a:xfrm>
+          <a:prstGeom prst="rect">
+            <a:avLst/>
+          </a:prstGeom>
+          <a:noFill/>
+        </p:spPr>
+        <p:txBody>
+          <a:bodyPr wrap="square" rtlCol="0">
+            <a:spAutoFit/>
+          </a:bodyPr>
+          <a:lstStyle/>
+          <a:p>
+            <a:pPr lvl="0">
+              <a:tabLst>
+                <a:tab pos="1306513" algn="l"/>
+              </a:tabLst>
+            </a:pPr>
+            <a:r>
+              <a:rPr lang="en-US" sz="2400" b="1" dirty="0">
+                <a:solidFill>
+                  <a:schemeClr val="bg1"/>
+                </a:solidFill>
+                <a:latin typeface="Glacial Indifference" charset="0"/>
+                <a:ea typeface="Glacial Indifference" charset="0"/>
+                <a:cs typeface="Glacial Indifference" charset="0"/>
+                <a:sym typeface="Montserrat Medium"/>
+              </a:rPr>
+              <a:t>What about the platform’s risks?</a:t>
+            </a:r>
+          </a:p>
+        </p:txBody>
+      </p:sp>
+      <p:graphicFrame>
+        <p:nvGraphicFramePr>
+          <p:cNvPr id="2" name="Table 1"/>
+          <p:cNvGraphicFramePr>
+            <a:graphicFrameLocks noGrp="1"/>
+          </p:cNvGraphicFramePr>
+          <p:nvPr>
+            <p:extLst>
+              <p:ext uri="{D42A27DB-BD31-4B8C-83A1-F6EECF244321}">
+                <p14:modId xmlns:p14="http://schemas.microsoft.com/office/powerpoint/2010/main" val="1081940618"/>
+              </p:ext>
+            </p:extLst>
+          </p:nvPr>
+        </p:nvGraphicFramePr>
+        <p:xfrm>
+          <a:off x="367801" y="1521629"/>
+          <a:ext cx="3657601" cy="3200400"/>
+        </p:xfrm>
+        <a:graphic>
+          <a:graphicData uri="http://schemas.openxmlformats.org/drawingml/2006/table">
+            <a:tbl>
+              <a:tblPr firstRow="1" bandRow="1">
+                <a:tableStyleId>{2410BEE1-E9ED-4D79-A2C4-AF8B92BEA772}</a:tableStyleId>
+              </a:tblPr>
+              <a:tblGrid>
+                <a:gridCol w="3657601"/>
+              </a:tblGrid>
+              <a:tr h="640080">
+                <a:tc>
+                  <a:txBody>
+                    <a:bodyPr/>
+                    <a:lstStyle/>
+                    <a:p>
+                      <a:pPr marL="0" marR="0" indent="0" algn="r" defTabSz="914400" rtl="0" eaLnBrk="1" fontAlgn="auto" latinLnBrk="0" hangingPunct="1">
+                        <a:lnSpc>
+                          <a:spcPct val="100000"/>
+                        </a:lnSpc>
+                        <a:spcBef>
+                          <a:spcPts val="0"/>
+                        </a:spcBef>
+                        <a:spcAft>
+                          <a:spcPts val="0"/>
+                        </a:spcAft>
+                        <a:buClr>
+                          <a:srgbClr val="000000"/>
+                        </a:buClr>
+                        <a:buSzTx/>
+                        <a:buFont typeface="Arial"/>
+                        <a:buNone/>
+                        <a:tabLst/>
+                        <a:defRPr/>
+                      </a:pPr>
+                      <a:r>
+                        <a:rPr lang="en-US" sz="1200" dirty="0" smtClean="0">
+                          <a:solidFill>
+                            <a:schemeClr val="bg1"/>
+                          </a:solidFill>
+                          <a:latin typeface="Glacial Indifference" charset="0"/>
+                          <a:ea typeface="Glacial Indifference" charset="0"/>
+                          <a:cs typeface="Glacial Indifference" charset="0"/>
+                        </a:rPr>
+                        <a:t>Consumers are saturated by other fitness related services and may be resistant to adopt FLEXIT</a:t>
+                      </a:r>
+                    </a:p>
+                  </a:txBody>
+                  <a:tcPr anchor="ctr">
+                    <a:lnL w="9525" cap="flat" cmpd="sng">
+                      <a:noFill/>
+                      <a:prstDash val="solid"/>
+                      <a:round/>
+                      <a:headEnd type="none" w="sm" len="sm"/>
+                      <a:tailEnd type="none" w="sm" len="sm"/>
+                    </a:lnL>
+                    <a:lnR w="9525" cap="flat" cmpd="sng">
+                      <a:noFill/>
+                      <a:prstDash val="solid"/>
+                      <a:round/>
+                      <a:headEnd type="none" w="sm" len="sm"/>
+                      <a:tailEnd type="none" w="sm" len="sm"/>
+                    </a:lnR>
+                    <a:lnT w="9525" cap="flat" cmpd="sng">
+                      <a:noFill/>
+                      <a:prstDash val="solid"/>
+                      <a:round/>
+                      <a:headEnd type="none" w="sm" len="sm"/>
+                      <a:tailEnd type="none" w="sm" len="sm"/>
+                    </a:lnT>
+                    <a:lnB w="12700" cap="flat" cmpd="sng" algn="ctr">
+                      <a:solidFill>
+                        <a:schemeClr val="tx1"/>
+                      </a:solidFill>
+                      <a:prstDash val="solid"/>
+                      <a:round/>
+                      <a:headEnd type="none" w="med" len="med"/>
+                      <a:tailEnd type="none" w="med" len="med"/>
+                    </a:lnB>
+                    <a:lnTlToBr w="12700" cmpd="sng">
+                      <a:noFill/>
+                      <a:prstDash val="solid"/>
+                    </a:lnTlToBr>
+                    <a:lnBlToTr w="12700" cmpd="sng">
+                      <a:noFill/>
+                      <a:prstDash val="solid"/>
+                    </a:lnBlToTr>
+                    <a:solidFill>
+                      <a:srgbClr val="B5B5B6">
+                        <a:alpha val="70000"/>
+                      </a:srgbClr>
+                    </a:solidFill>
+                  </a:tcPr>
+                </a:tc>
+              </a:tr>
+              <a:tr h="640080">
+                <a:tc>
+                  <a:txBody>
+                    <a:bodyPr/>
+                    <a:lstStyle/>
+                    <a:p>
+                      <a:pPr marL="0" marR="0" indent="0" algn="r" defTabSz="914400" rtl="0" eaLnBrk="1" fontAlgn="auto" latinLnBrk="0" hangingPunct="1">
+                        <a:lnSpc>
+                          <a:spcPct val="100000"/>
+                        </a:lnSpc>
+                        <a:spcBef>
+                          <a:spcPts val="0"/>
+                        </a:spcBef>
+                        <a:spcAft>
+                          <a:spcPts val="0"/>
+                        </a:spcAft>
+                        <a:buClr>
+                          <a:srgbClr val="000000"/>
+                        </a:buClr>
+                        <a:buSzTx/>
+                        <a:buFont typeface="Arial"/>
+                        <a:buNone/>
+                        <a:tabLst/>
+                        <a:defRPr/>
+                      </a:pPr>
+                      <a:r>
+                        <a:rPr lang="en-US" sz="1200" dirty="0" smtClean="0">
+                          <a:solidFill>
+                            <a:schemeClr val="bg1"/>
+                          </a:solidFill>
+                          <a:latin typeface="Glacial Indifference" charset="0"/>
+                          <a:ea typeface="Glacial Indifference" charset="0"/>
+                          <a:cs typeface="Glacial Indifference" charset="0"/>
+                        </a:rPr>
+                        <a:t>Gyms are resistant to adopting FLEXIT because it may cannibalize membership-bases</a:t>
+                      </a:r>
+                    </a:p>
+                  </a:txBody>
+                  <a:tcPr anchor="ctr">
+                    <a:lnL w="9525" cap="flat" cmpd="sng">
+                      <a:noFill/>
+                      <a:prstDash val="solid"/>
+                      <a:round/>
+                      <a:headEnd type="none" w="sm" len="sm"/>
+                      <a:tailEnd type="none" w="sm" len="sm"/>
+                    </a:lnL>
+                    <a:lnR w="9525" cap="flat" cmpd="sng">
+                      <a:noFill/>
+                      <a:prstDash val="solid"/>
+                      <a:round/>
+                      <a:headEnd type="none" w="sm" len="sm"/>
+                      <a:tailEnd type="none" w="sm" len="sm"/>
+                    </a:lnR>
+                    <a:lnT w="12700" cap="flat" cmpd="sng" algn="ctr">
+                      <a:solidFill>
+                        <a:schemeClr val="tx1"/>
+                      </a:solidFill>
+                      <a:prstDash val="solid"/>
+                      <a:round/>
+                      <a:headEnd type="none" w="med" len="med"/>
+                      <a:tailEnd type="none" w="med" len="med"/>
+                    </a:lnT>
+                    <a:lnB w="12700" cap="flat" cmpd="sng" algn="ctr">
+                      <a:solidFill>
+                        <a:schemeClr val="tx1"/>
+                      </a:solidFill>
+                      <a:prstDash val="solid"/>
+                      <a:round/>
+                      <a:headEnd type="none" w="med" len="med"/>
+                      <a:tailEnd type="none" w="med" len="med"/>
+                    </a:lnB>
+                    <a:lnTlToBr w="12700" cmpd="sng">
+                      <a:noFill/>
+                      <a:prstDash val="solid"/>
+                    </a:lnTlToBr>
+                    <a:lnBlToTr w="12700" cmpd="sng">
+                      <a:noFill/>
+                      <a:prstDash val="solid"/>
+                    </a:lnBlToTr>
+                    <a:solidFill>
+                      <a:srgbClr val="B5B5B6">
+                        <a:alpha val="70000"/>
+                      </a:srgbClr>
+                    </a:solidFill>
+                  </a:tcPr>
+                </a:tc>
+              </a:tr>
+              <a:tr h="640080">
+                <a:tc>
+                  <a:txBody>
+                    <a:bodyPr/>
+                    <a:lstStyle/>
+                    <a:p>
+                      <a:pPr algn="r"/>
+                      <a:r>
+                        <a:rPr lang="en-US" sz="1200" dirty="0" smtClean="0">
+                          <a:solidFill>
+                            <a:schemeClr val="bg1"/>
+                          </a:solidFill>
+                          <a:latin typeface="Glacial Indifference" charset="0"/>
+                          <a:ea typeface="Glacial Indifference" charset="0"/>
+                          <a:cs typeface="Glacial Indifference" charset="0"/>
+                        </a:rPr>
+                        <a:t>Gyms are resistant to working with a new player in the space</a:t>
+                      </a:r>
+                      <a:endParaRPr lang="en-US" sz="1200" dirty="0">
+                        <a:solidFill>
+                          <a:schemeClr val="bg1"/>
+                        </a:solidFill>
+                        <a:latin typeface="Glacial Indifference" charset="0"/>
+                        <a:ea typeface="Glacial Indifference" charset="0"/>
+                        <a:cs typeface="Glacial Indifference" charset="0"/>
+                      </a:endParaRPr>
+                    </a:p>
+                  </a:txBody>
+                  <a:tcPr anchor="ctr">
+                    <a:lnL w="9525" cap="flat" cmpd="sng">
+                      <a:noFill/>
+                      <a:prstDash val="solid"/>
+                      <a:round/>
+                      <a:headEnd type="none" w="sm" len="sm"/>
+                      <a:tailEnd type="none" w="sm" len="sm"/>
+                    </a:lnL>
+                    <a:lnR w="9525" cap="flat" cmpd="sng">
+                      <a:noFill/>
+                      <a:prstDash val="solid"/>
+                      <a:round/>
+                      <a:headEnd type="none" w="sm" len="sm"/>
+                      <a:tailEnd type="none" w="sm" len="sm"/>
+                    </a:lnR>
+                    <a:lnT w="12700" cap="flat" cmpd="sng" algn="ctr">
+                      <a:solidFill>
+                        <a:schemeClr val="tx1"/>
+                      </a:solidFill>
+                      <a:prstDash val="solid"/>
+                      <a:round/>
+                      <a:headEnd type="none" w="med" len="med"/>
+                      <a:tailEnd type="none" w="med" len="med"/>
+                    </a:lnT>
+                    <a:lnB w="12700" cap="flat" cmpd="sng" algn="ctr">
+                      <a:solidFill>
+                        <a:schemeClr val="tx1"/>
+                      </a:solidFill>
+                      <a:prstDash val="solid"/>
+                      <a:round/>
+                      <a:headEnd type="none" w="med" len="med"/>
+                      <a:tailEnd type="none" w="med" len="med"/>
+                    </a:lnB>
+                    <a:lnTlToBr w="12700" cmpd="sng">
+                      <a:noFill/>
+                      <a:prstDash val="solid"/>
+                    </a:lnTlToBr>
+                    <a:lnBlToTr w="12700" cmpd="sng">
+                      <a:noFill/>
+                      <a:prstDash val="solid"/>
+                    </a:lnBlToTr>
+                    <a:solidFill>
+                      <a:srgbClr val="B5B5B6">
+                        <a:alpha val="70000"/>
+                      </a:srgbClr>
+                    </a:solidFill>
+                  </a:tcPr>
+                </a:tc>
+              </a:tr>
+              <a:tr h="640080">
+                <a:tc>
+                  <a:txBody>
+                    <a:bodyPr/>
+                    <a:lstStyle/>
+                    <a:p>
+                      <a:pPr marL="0" marR="0" indent="0" algn="r" defTabSz="914400" rtl="0" eaLnBrk="1" fontAlgn="auto" latinLnBrk="0" hangingPunct="1">
+                        <a:lnSpc>
+                          <a:spcPct val="100000"/>
+                        </a:lnSpc>
+                        <a:spcBef>
+                          <a:spcPts val="0"/>
+                        </a:spcBef>
+                        <a:spcAft>
+                          <a:spcPts val="0"/>
+                        </a:spcAft>
+                        <a:buClr>
+                          <a:srgbClr val="000000"/>
+                        </a:buClr>
+                        <a:buSzTx/>
+                        <a:buFont typeface="Arial"/>
+                        <a:buNone/>
+                        <a:tabLst/>
+                        <a:defRPr/>
+                      </a:pPr>
+                      <a:r>
+                        <a:rPr lang="en-US" sz="1200" dirty="0" smtClean="0">
+                          <a:solidFill>
+                            <a:schemeClr val="bg1"/>
+                          </a:solidFill>
+                          <a:latin typeface="Glacial Indifference" charset="0"/>
+                          <a:ea typeface="Glacial Indifference" charset="0"/>
+                          <a:cs typeface="Glacial Indifference" charset="0"/>
+                        </a:rPr>
+                        <a:t>Low barriers to entry increases competition</a:t>
+                      </a:r>
+                    </a:p>
+                  </a:txBody>
+                  <a:tcPr anchor="ctr">
+                    <a:lnL w="9525" cap="flat" cmpd="sng">
+                      <a:noFill/>
+                      <a:prstDash val="solid"/>
+                      <a:round/>
+                      <a:headEnd type="none" w="sm" len="sm"/>
+                      <a:tailEnd type="none" w="sm" len="sm"/>
+                    </a:lnL>
+                    <a:lnR w="9525" cap="flat" cmpd="sng">
+                      <a:noFill/>
+                      <a:prstDash val="solid"/>
+                      <a:round/>
+                      <a:headEnd type="none" w="sm" len="sm"/>
+                      <a:tailEnd type="none" w="sm" len="sm"/>
+                    </a:lnR>
+                    <a:lnT w="12700" cap="flat" cmpd="sng" algn="ctr">
+                      <a:solidFill>
+                        <a:schemeClr val="tx1"/>
+                      </a:solidFill>
+                      <a:prstDash val="solid"/>
+                      <a:round/>
+                      <a:headEnd type="none" w="med" len="med"/>
+                      <a:tailEnd type="none" w="med" len="med"/>
+                    </a:lnT>
+                    <a:lnB w="12700" cap="flat" cmpd="sng" algn="ctr">
+                      <a:solidFill>
+                        <a:schemeClr val="tx1"/>
+                      </a:solidFill>
+                      <a:prstDash val="solid"/>
+                      <a:round/>
+                      <a:headEnd type="none" w="med" len="med"/>
+                      <a:tailEnd type="none" w="med" len="med"/>
+                    </a:lnB>
+                    <a:lnTlToBr w="12700" cmpd="sng">
+                      <a:noFill/>
+                      <a:prstDash val="solid"/>
+                    </a:lnTlToBr>
+                    <a:lnBlToTr w="12700" cmpd="sng">
+                      <a:noFill/>
+                      <a:prstDash val="solid"/>
+                    </a:lnBlToTr>
+                    <a:solidFill>
+                      <a:srgbClr val="B5B5B6">
+                        <a:alpha val="70000"/>
+                      </a:srgbClr>
+                    </a:solidFill>
+                  </a:tcPr>
+                </a:tc>
+              </a:tr>
+              <a:tr h="640080">
+                <a:tc>
+                  <a:txBody>
+                    <a:bodyPr/>
+                    <a:lstStyle/>
+                    <a:p>
+                      <a:pPr algn="r"/>
+                      <a:r>
+                        <a:rPr lang="en-US" sz="1200" dirty="0" smtClean="0">
+                          <a:solidFill>
+                            <a:schemeClr val="bg1"/>
+                          </a:solidFill>
+                          <a:latin typeface="Glacial Indifference" charset="0"/>
+                          <a:ea typeface="Glacial Indifference" charset="0"/>
+                          <a:cs typeface="Glacial Indifference" charset="0"/>
+                        </a:rPr>
+                        <a:t>Increasingly noisy ecosystem</a:t>
+                      </a:r>
+                      <a:endParaRPr lang="en-US" sz="1200" dirty="0">
+                        <a:solidFill>
+                          <a:schemeClr val="bg1"/>
+                        </a:solidFill>
+                        <a:latin typeface="Glacial Indifference" charset="0"/>
+                        <a:ea typeface="Glacial Indifference" charset="0"/>
+                        <a:cs typeface="Glacial Indifference" charset="0"/>
+                      </a:endParaRPr>
+                    </a:p>
+                  </a:txBody>
+                  <a:tcPr anchor="ctr">
+                    <a:lnL w="9525" cap="flat" cmpd="sng">
+                      <a:noFill/>
+                      <a:prstDash val="solid"/>
+                      <a:round/>
+                      <a:headEnd type="none" w="sm" len="sm"/>
+                      <a:tailEnd type="none" w="sm" len="sm"/>
+                    </a:lnL>
+                    <a:lnR w="9525" cap="flat" cmpd="sng">
+                      <a:noFill/>
+                      <a:prstDash val="solid"/>
+                      <a:round/>
+                      <a:headEnd type="none" w="sm" len="sm"/>
+                      <a:tailEnd type="none" w="sm" len="sm"/>
+                    </a:lnR>
+                    <a:lnT w="12700" cap="flat" cmpd="sng" algn="ctr">
+                      <a:solidFill>
+                        <a:schemeClr val="tx1"/>
+                      </a:solidFill>
+                      <a:prstDash val="solid"/>
+                      <a:round/>
+                      <a:headEnd type="none" w="med" len="med"/>
+                      <a:tailEnd type="none" w="med" len="med"/>
+                    </a:lnT>
+                    <a:lnB w="9525" cap="flat" cmpd="sng">
+                      <a:noFill/>
+                      <a:prstDash val="solid"/>
+                      <a:round/>
+                      <a:headEnd type="none" w="sm" len="sm"/>
+                      <a:tailEnd type="none" w="sm" len="sm"/>
+                    </a:lnB>
+                    <a:lnTlToBr w="12700" cmpd="sng">
+                      <a:noFill/>
+                      <a:prstDash val="solid"/>
+                    </a:lnTlToBr>
+                    <a:lnBlToTr w="12700" cmpd="sng">
+                      <a:noFill/>
+                      <a:prstDash val="solid"/>
+                    </a:lnBlToTr>
+                    <a:solidFill>
+                      <a:srgbClr val="B5B5B6">
+                        <a:alpha val="70000"/>
+                      </a:srgbClr>
+                    </a:solidFill>
+                  </a:tcPr>
+                </a:tc>
+              </a:tr>
+            </a:tbl>
+          </a:graphicData>
+        </a:graphic>
+      </p:graphicFrame>
+      <p:graphicFrame>
+        <p:nvGraphicFramePr>
+          <p:cNvPr id="30" name="Table 29"/>
+          <p:cNvGraphicFramePr>
+            <a:graphicFrameLocks noGrp="1"/>
+          </p:cNvGraphicFramePr>
+          <p:nvPr>
+            <p:extLst>
+              <p:ext uri="{D42A27DB-BD31-4B8C-83A1-F6EECF244321}">
+                <p14:modId xmlns:p14="http://schemas.microsoft.com/office/powerpoint/2010/main" val="1652134059"/>
+              </p:ext>
+            </p:extLst>
+          </p:nvPr>
+        </p:nvGraphicFramePr>
+        <p:xfrm>
+          <a:off x="5120639" y="1531602"/>
+          <a:ext cx="3657601" cy="3200400"/>
+        </p:xfrm>
+        <a:graphic>
+          <a:graphicData uri="http://schemas.openxmlformats.org/drawingml/2006/table">
+            <a:tbl>
+              <a:tblPr bandRow="1">
+                <a:tableStyleId>{2410BEE1-E9ED-4D79-A2C4-AF8B92BEA772}</a:tableStyleId>
+              </a:tblPr>
+              <a:tblGrid>
+                <a:gridCol w="3657601"/>
+              </a:tblGrid>
+              <a:tr h="640080">
+                <a:tc>
+                  <a:txBody>
+                    <a:bodyPr/>
+                    <a:lstStyle/>
+                    <a:p>
+                      <a:pPr algn="l"/>
+                      <a:r>
+                        <a:rPr lang="en-US" sz="1200" dirty="0" smtClean="0">
+                          <a:solidFill>
+                            <a:schemeClr val="bg1"/>
+                          </a:solidFill>
+                          <a:latin typeface="Glacial Indifference" charset="0"/>
+                          <a:ea typeface="Glacial Indifference" charset="0"/>
+                          <a:cs typeface="Glacial Indifference" charset="0"/>
+                        </a:rPr>
+                        <a:t>FLEXIT’s customer acquisition strategy is designed to promote its value proposition using a comprehensive approach</a:t>
+                      </a:r>
+                      <a:endParaRPr lang="en-US" sz="1200" dirty="0">
+                        <a:solidFill>
+                          <a:schemeClr val="bg1"/>
+                        </a:solidFill>
+                        <a:latin typeface="Glacial Indifference" charset="0"/>
+                        <a:ea typeface="Glacial Indifference" charset="0"/>
+                        <a:cs typeface="Glacial Indifference" charset="0"/>
+                      </a:endParaRPr>
+                    </a:p>
+                  </a:txBody>
+                  <a:tcPr anchor="ctr">
+                    <a:lnL w="9525" cap="flat" cmpd="sng">
+                      <a:noFill/>
+                      <a:prstDash val="solid"/>
+                      <a:round/>
+                      <a:headEnd type="none" w="sm" len="sm"/>
+                      <a:tailEnd type="none" w="sm" len="sm"/>
+                    </a:lnL>
+                    <a:lnR w="9525" cap="flat" cmpd="sng">
+                      <a:noFill/>
+                      <a:prstDash val="solid"/>
+                      <a:round/>
+                      <a:headEnd type="none" w="sm" len="sm"/>
+                      <a:tailEnd type="none" w="sm" len="sm"/>
+                    </a:lnR>
+                    <a:lnT w="9525" cap="flat" cmpd="sng">
+                      <a:noFill/>
+                      <a:prstDash val="solid"/>
+                      <a:round/>
+                      <a:headEnd type="none" w="sm" len="sm"/>
+                      <a:tailEnd type="none" w="sm" len="sm"/>
+                    </a:lnT>
+                    <a:lnB w="12700" cap="flat" cmpd="sng" algn="ctr">
+                      <a:solidFill>
+                        <a:schemeClr val="tx1"/>
+                      </a:solidFill>
+                      <a:prstDash val="solid"/>
+                      <a:round/>
+                      <a:headEnd type="none" w="med" len="med"/>
+                      <a:tailEnd type="none" w="med" len="med"/>
+                    </a:lnB>
+                    <a:lnTlToBr w="12700" cmpd="sng">
+                      <a:noFill/>
+                      <a:prstDash val="solid"/>
+                    </a:lnTlToBr>
+                    <a:lnBlToTr w="12700" cmpd="sng">
+                      <a:noFill/>
+                      <a:prstDash val="solid"/>
+                    </a:lnBlToTr>
+                    <a:solidFill>
+                      <a:srgbClr val="00B4D2">
+                        <a:alpha val="70000"/>
+                      </a:srgbClr>
+                    </a:solidFill>
+                  </a:tcPr>
+                </a:tc>
+              </a:tr>
+              <a:tr h="640080">
+                <a:tc>
+                  <a:txBody>
+                    <a:bodyPr/>
+                    <a:lstStyle/>
+                    <a:p>
+                      <a:pPr algn="l"/>
+                      <a:r>
+                        <a:rPr lang="en-US" sz="1200" dirty="0" smtClean="0">
+                          <a:solidFill>
+                            <a:schemeClr val="bg1"/>
+                          </a:solidFill>
+                          <a:latin typeface="Glacial Indifference" charset="0"/>
+                          <a:ea typeface="Glacial Indifference" charset="0"/>
+                          <a:cs typeface="Glacial Indifference" charset="0"/>
+                        </a:rPr>
+                        <a:t>FLEXIT is designed to bring new users and prospective members that will offset losses in membership</a:t>
+                      </a:r>
+                    </a:p>
+                  </a:txBody>
+                  <a:tcPr anchor="ctr">
+                    <a:lnL w="9525" cap="flat" cmpd="sng">
+                      <a:noFill/>
+                      <a:prstDash val="solid"/>
+                      <a:round/>
+                      <a:headEnd type="none" w="sm" len="sm"/>
+                      <a:tailEnd type="none" w="sm" len="sm"/>
+                    </a:lnL>
+                    <a:lnR w="9525" cap="flat" cmpd="sng">
+                      <a:noFill/>
+                      <a:prstDash val="solid"/>
+                      <a:round/>
+                      <a:headEnd type="none" w="sm" len="sm"/>
+                      <a:tailEnd type="none" w="sm" len="sm"/>
+                    </a:lnR>
+                    <a:lnT w="12700" cap="flat" cmpd="sng" algn="ctr">
+                      <a:solidFill>
+                        <a:schemeClr val="tx1"/>
+                      </a:solidFill>
+                      <a:prstDash val="solid"/>
+                      <a:round/>
+                      <a:headEnd type="none" w="med" len="med"/>
+                      <a:tailEnd type="none" w="med" len="med"/>
+                    </a:lnT>
+                    <a:lnB w="12700" cap="flat" cmpd="sng" algn="ctr">
+                      <a:solidFill>
+                        <a:schemeClr val="tx1"/>
+                      </a:solidFill>
+                      <a:prstDash val="solid"/>
+                      <a:round/>
+                      <a:headEnd type="none" w="med" len="med"/>
+                      <a:tailEnd type="none" w="med" len="med"/>
+                    </a:lnB>
+                    <a:lnTlToBr w="12700" cmpd="sng">
+                      <a:noFill/>
+                      <a:prstDash val="solid"/>
+                    </a:lnTlToBr>
+                    <a:lnBlToTr w="12700" cmpd="sng">
+                      <a:noFill/>
+                      <a:prstDash val="solid"/>
+                    </a:lnBlToTr>
+                    <a:solidFill>
+                      <a:srgbClr val="00B4D2">
+                        <a:alpha val="70000"/>
+                      </a:srgbClr>
+                    </a:solidFill>
+                  </a:tcPr>
+                </a:tc>
+              </a:tr>
+              <a:tr h="640080">
+                <a:tc>
+                  <a:txBody>
+                    <a:bodyPr/>
+                    <a:lstStyle/>
+                    <a:p>
+                      <a:pPr algn="l"/>
+                      <a:r>
+                        <a:rPr lang="en-US" sz="1200" dirty="0" smtClean="0">
+                          <a:solidFill>
+                            <a:schemeClr val="bg1"/>
+                          </a:solidFill>
+                          <a:latin typeface="Glacial Indifference" charset="0"/>
+                          <a:ea typeface="Glacial Indifference" charset="0"/>
+                          <a:cs typeface="Glacial Indifference" charset="0"/>
+                        </a:rPr>
+                        <a:t>FLEXIT’s corporate team has deep industry success, expertise and C-level relationships at the biggest national gym chains in the country</a:t>
+                      </a:r>
+                      <a:endParaRPr lang="en-US" sz="1200" dirty="0">
+                        <a:solidFill>
+                          <a:schemeClr val="bg1"/>
+                        </a:solidFill>
+                        <a:latin typeface="Glacial Indifference" charset="0"/>
+                        <a:ea typeface="Glacial Indifference" charset="0"/>
+                        <a:cs typeface="Glacial Indifference" charset="0"/>
+                      </a:endParaRPr>
+                    </a:p>
+                  </a:txBody>
+                  <a:tcPr anchor="ctr">
+                    <a:lnL w="9525" cap="flat" cmpd="sng">
+                      <a:noFill/>
+                      <a:prstDash val="solid"/>
+                      <a:round/>
+                      <a:headEnd type="none" w="sm" len="sm"/>
+                      <a:tailEnd type="none" w="sm" len="sm"/>
+                    </a:lnL>
+                    <a:lnR w="9525" cap="flat" cmpd="sng">
+                      <a:noFill/>
+                      <a:prstDash val="solid"/>
+                      <a:round/>
+                      <a:headEnd type="none" w="sm" len="sm"/>
+                      <a:tailEnd type="none" w="sm" len="sm"/>
+                    </a:lnR>
+                    <a:lnT w="12700" cap="flat" cmpd="sng" algn="ctr">
+                      <a:solidFill>
+                        <a:schemeClr val="tx1"/>
+                      </a:solidFill>
+                      <a:prstDash val="solid"/>
+                      <a:round/>
+                      <a:headEnd type="none" w="med" len="med"/>
+                      <a:tailEnd type="none" w="med" len="med"/>
+                    </a:lnT>
+                    <a:lnB w="12700" cap="flat" cmpd="sng" algn="ctr">
+                      <a:solidFill>
+                        <a:schemeClr val="tx1"/>
+                      </a:solidFill>
+                      <a:prstDash val="solid"/>
+                      <a:round/>
+                      <a:headEnd type="none" w="med" len="med"/>
+                      <a:tailEnd type="none" w="med" len="med"/>
+                    </a:lnB>
+                    <a:lnTlToBr w="12700" cmpd="sng">
+                      <a:noFill/>
+                      <a:prstDash val="solid"/>
+                    </a:lnTlToBr>
+                    <a:lnBlToTr w="12700" cmpd="sng">
+                      <a:noFill/>
+                      <a:prstDash val="solid"/>
+                    </a:lnBlToTr>
+                    <a:solidFill>
+                      <a:srgbClr val="00B4D2">
+                        <a:alpha val="70000"/>
+                      </a:srgbClr>
+                    </a:solidFill>
+                  </a:tcPr>
+                </a:tc>
+              </a:tr>
+              <a:tr h="640080">
+                <a:tc>
+                  <a:txBody>
+                    <a:bodyPr/>
+                    <a:lstStyle/>
+                    <a:p>
+                      <a:pPr algn="l"/>
+                      <a:r>
+                        <a:rPr lang="en-US" sz="1200" dirty="0" smtClean="0">
+                          <a:solidFill>
+                            <a:schemeClr val="bg1"/>
+                          </a:solidFill>
+                          <a:latin typeface="Glacial Indifference" charset="0"/>
+                          <a:ea typeface="Glacial Indifference" charset="0"/>
+                          <a:cs typeface="Glacial Indifference" charset="0"/>
+                        </a:rPr>
+                        <a:t>FLEXIT’s competitive advantage is its deep industry relationships,</a:t>
+                      </a:r>
+                      <a:r>
+                        <a:rPr lang="en-US" sz="1200" baseline="0" dirty="0" smtClean="0">
+                          <a:solidFill>
+                            <a:schemeClr val="bg1"/>
+                          </a:solidFill>
+                          <a:latin typeface="Glacial Indifference" charset="0"/>
+                          <a:ea typeface="Glacial Indifference" charset="0"/>
+                          <a:cs typeface="Glacial Indifference" charset="0"/>
+                        </a:rPr>
+                        <a:t> </a:t>
+                      </a:r>
+                      <a:r>
+                        <a:rPr lang="en-US" sz="1200" dirty="0" smtClean="0">
+                          <a:solidFill>
+                            <a:schemeClr val="bg1"/>
+                          </a:solidFill>
+                          <a:latin typeface="Glacial Indifference" charset="0"/>
+                          <a:ea typeface="Glacial Indifference" charset="0"/>
+                          <a:cs typeface="Glacial Indifference" charset="0"/>
+                        </a:rPr>
+                        <a:t>existing soft commitments and industry knowledge</a:t>
+                      </a:r>
+                    </a:p>
+                  </a:txBody>
+                  <a:tcPr anchor="ctr">
+                    <a:lnL w="9525" cap="flat" cmpd="sng">
+                      <a:noFill/>
+                      <a:prstDash val="solid"/>
+                      <a:round/>
+                      <a:headEnd type="none" w="sm" len="sm"/>
+                      <a:tailEnd type="none" w="sm" len="sm"/>
+                    </a:lnL>
+                    <a:lnR w="9525" cap="flat" cmpd="sng">
+                      <a:noFill/>
+                      <a:prstDash val="solid"/>
+                      <a:round/>
+                      <a:headEnd type="none" w="sm" len="sm"/>
+                      <a:tailEnd type="none" w="sm" len="sm"/>
+                    </a:lnR>
+                    <a:lnT w="12700" cap="flat" cmpd="sng" algn="ctr">
+                      <a:solidFill>
+                        <a:schemeClr val="tx1"/>
+                      </a:solidFill>
+                      <a:prstDash val="solid"/>
+                      <a:round/>
+                      <a:headEnd type="none" w="med" len="med"/>
+                      <a:tailEnd type="none" w="med" len="med"/>
+                    </a:lnT>
+                    <a:lnB w="12700" cap="flat" cmpd="sng" algn="ctr">
+                      <a:solidFill>
+                        <a:schemeClr val="tx1"/>
+                      </a:solidFill>
+                      <a:prstDash val="solid"/>
+                      <a:round/>
+                      <a:headEnd type="none" w="med" len="med"/>
+                      <a:tailEnd type="none" w="med" len="med"/>
+                    </a:lnB>
+                    <a:lnTlToBr w="12700" cmpd="sng">
+                      <a:noFill/>
+                      <a:prstDash val="solid"/>
+                    </a:lnTlToBr>
+                    <a:lnBlToTr w="12700" cmpd="sng">
+                      <a:noFill/>
+                      <a:prstDash val="solid"/>
+                    </a:lnBlToTr>
+                    <a:solidFill>
+                      <a:srgbClr val="00B4D2">
+                        <a:alpha val="70000"/>
+                      </a:srgbClr>
+                    </a:solidFill>
+                  </a:tcPr>
+                </a:tc>
+              </a:tr>
+              <a:tr h="640080">
+                <a:tc>
+                  <a:txBody>
+                    <a:bodyPr/>
+                    <a:lstStyle/>
+                    <a:p>
+                      <a:pPr marL="0" marR="0" indent="0" algn="l" defTabSz="914400" rtl="0" eaLnBrk="1" fontAlgn="auto" latinLnBrk="0" hangingPunct="1">
+                        <a:lnSpc>
+                          <a:spcPct val="100000"/>
+                        </a:lnSpc>
+                        <a:spcBef>
+                          <a:spcPts val="0"/>
+                        </a:spcBef>
+                        <a:spcAft>
+                          <a:spcPts val="0"/>
+                        </a:spcAft>
+                        <a:buClr>
+                          <a:srgbClr val="000000"/>
+                        </a:buClr>
+                        <a:buSzTx/>
+                        <a:buFont typeface="Arial"/>
+                        <a:buNone/>
+                        <a:tabLst/>
+                        <a:defRPr/>
+                      </a:pPr>
+                      <a:r>
+                        <a:rPr lang="en-US" sz="1200" dirty="0" smtClean="0">
+                          <a:solidFill>
+                            <a:schemeClr val="bg1"/>
+                          </a:solidFill>
+                          <a:latin typeface="Glacial Indifference" charset="0"/>
+                          <a:ea typeface="Glacial Indifference" charset="0"/>
+                          <a:cs typeface="Glacial Indifference" charset="0"/>
+                        </a:rPr>
+                        <a:t>FLEXIT fills a niche segment of the market and an untapped need</a:t>
+                      </a:r>
+                    </a:p>
+                  </a:txBody>
+                  <a:tcPr anchor="ctr">
+                    <a:lnL w="9525" cap="flat" cmpd="sng">
+                      <a:noFill/>
+                      <a:prstDash val="solid"/>
+                      <a:round/>
+                      <a:headEnd type="none" w="sm" len="sm"/>
+                      <a:tailEnd type="none" w="sm" len="sm"/>
+                    </a:lnL>
+                    <a:lnR w="9525" cap="flat" cmpd="sng">
+                      <a:noFill/>
+                      <a:prstDash val="solid"/>
+                      <a:round/>
+                      <a:headEnd type="none" w="sm" len="sm"/>
+                      <a:tailEnd type="none" w="sm" len="sm"/>
+                    </a:lnR>
+                    <a:lnT w="12700" cap="flat" cmpd="sng" algn="ctr">
+                      <a:solidFill>
+                        <a:schemeClr val="tx1"/>
+                      </a:solidFill>
+                      <a:prstDash val="solid"/>
+                      <a:round/>
+                      <a:headEnd type="none" w="med" len="med"/>
+                      <a:tailEnd type="none" w="med" len="med"/>
+                    </a:lnT>
+                    <a:lnB w="9525" cap="flat" cmpd="sng">
+                      <a:noFill/>
+                      <a:prstDash val="solid"/>
+                      <a:round/>
+                      <a:headEnd type="none" w="sm" len="sm"/>
+                      <a:tailEnd type="none" w="sm" len="sm"/>
+                    </a:lnB>
+                    <a:lnTlToBr w="12700" cmpd="sng">
+                      <a:noFill/>
+                      <a:prstDash val="solid"/>
+                    </a:lnTlToBr>
+                    <a:lnBlToTr w="12700" cmpd="sng">
+                      <a:noFill/>
+                      <a:prstDash val="solid"/>
+                    </a:lnBlToTr>
+                    <a:solidFill>
+                      <a:srgbClr val="00B4D2">
+                        <a:alpha val="70000"/>
+                      </a:srgbClr>
+                    </a:solidFill>
+                  </a:tcPr>
+                </a:tc>
+              </a:tr>
+            </a:tbl>
+          </a:graphicData>
+        </a:graphic>
+      </p:graphicFrame>
+    </p:spTree>
+    <p:extLst>
+      <p:ext uri="{BB962C8B-B14F-4D97-AF65-F5344CB8AC3E}">
+        <p14:creationId xmlns:p14="http://schemas.microsoft.com/office/powerpoint/2010/main" val="1169746885"/>
+      </p:ext>
+    </p:extLst>
+  </p:cSld>
+  <p:clrMapOvr>
+    <a:masterClrMapping/>
+  </p:clrMapOvr>
+  <p:timing>
+    <p:tnLst>
+      <p:par>
+        <p:cTn id="1" dur="indefinite" restart="never" nodeType="tmRoot"/>
+      </p:par>
+    </p:tnLst>
+  </p:timing>
+</p:sld>
+</file>
+
 <file path=ppt/slides/slide14.xml><?xml version="1.0" encoding="utf-8"?>
 <p:sld xmlns:a="http://schemas.openxmlformats.org/drawingml/2006/main" xmlns:r="http://schemas.openxmlformats.org/officeDocument/2006/relationships" xmlns:p="http://schemas.openxmlformats.org/presentationml/2006/main">
   <p:cSld>
@@ -32431,18 +32641,7 @@
                           <a:ea typeface="Glacial Indifference" charset="0"/>
                           <a:cs typeface="Glacial Indifference" charset="0"/>
                         </a:rPr>
-                        <a:t>CTO; </a:t>
-                      </a:r>
-                      <a:r>
-                        <a:rPr lang="en-US" dirty="0" smtClean="0">
-                          <a:solidFill>
-                            <a:schemeClr val="bg1"/>
-                          </a:solidFill>
-                          <a:latin typeface="Glacial Indifference" charset="0"/>
-                          <a:ea typeface="Glacial Indifference" charset="0"/>
-                          <a:cs typeface="Glacial Indifference" charset="0"/>
-                        </a:rPr>
-                        <a:t>COO; Biz</a:t>
+                        <a:t>CTO; COO; Biz</a:t>
                       </a:r>
                       <a:r>
                         <a:rPr lang="en-US" baseline="0" dirty="0" smtClean="0">
@@ -32601,18 +32800,7 @@
                           <a:ea typeface="Glacial Indifference" charset="0"/>
                           <a:cs typeface="Glacial Indifference" charset="0"/>
                         </a:rPr>
-                        <a:t>$</a:t>
-                      </a:r>
-                      <a:r>
-                        <a:rPr lang="en-US" b="1" dirty="0" smtClean="0">
-                          <a:solidFill>
-                            <a:schemeClr val="bg1"/>
-                          </a:solidFill>
-                          <a:latin typeface="Glacial Indifference" charset="0"/>
-                          <a:ea typeface="Glacial Indifference" charset="0"/>
-                          <a:cs typeface="Glacial Indifference" charset="0"/>
-                        </a:rPr>
-                        <a:t>500K</a:t>
+                        <a:t>$500K</a:t>
                       </a:r>
                       <a:endParaRPr lang="en-US" b="1" dirty="0">
                         <a:solidFill>
@@ -33023,18 +33211,7 @@
                             <a:ea typeface="Glacial Indifference" charset="0"/>
                             <a:cs typeface="Glacial Indifference" charset="0"/>
                           </a:rPr>
-                          <a:t>Up to $</a:t>
-                        </a:r>
-                        <a:r>
-                          <a:rPr lang="en-US" dirty="0" smtClean="0">
-                            <a:solidFill>
-                              <a:schemeClr val="bg1"/>
-                            </a:solidFill>
-                            <a:latin typeface="Glacial Indifference" charset="0"/>
-                            <a:ea typeface="Glacial Indifference" charset="0"/>
-                            <a:cs typeface="Glacial Indifference" charset="0"/>
-                          </a:rPr>
-                          <a:t>500K</a:t>
+                          <a:t>Up to $500K</a:t>
                         </a:r>
                         <a:endParaRPr lang="en-US" dirty="0">
                           <a:solidFill>
@@ -33648,7 +33825,7 @@
         </p:blipFill>
         <p:spPr>
           <a:xfrm flipH="1">
-            <a:off x="0" y="0"/>
+            <a:off x="-106938" y="130942"/>
             <a:ext cx="9159498" cy="5143500"/>
           </a:xfrm>
           <a:prstGeom prst="rect">
@@ -33780,8 +33957,8 @@
         </p:nvSpPr>
         <p:spPr>
           <a:xfrm>
-            <a:off x="1597908" y="1866691"/>
-            <a:ext cx="5939328" cy="1477328"/>
+            <a:off x="1377772" y="1968291"/>
+            <a:ext cx="6394625" cy="1200329"/>
           </a:xfrm>
           <a:prstGeom prst="rect">
             <a:avLst/>
@@ -33809,108 +33986,6 @@
           </a:p>
         </p:txBody>
       </p:sp>
-      <p:cxnSp>
-        <p:nvCxnSpPr>
-          <p:cNvPr id="25" name="Straight Connector 24"/>
-          <p:cNvCxnSpPr/>
-          <p:nvPr/>
-        </p:nvCxnSpPr>
-        <p:spPr>
-          <a:xfrm>
-            <a:off x="2971800" y="1324563"/>
-            <a:ext cx="3200400" cy="0"/>
-          </a:xfrm>
-          <a:prstGeom prst="line">
-            <a:avLst/>
-          </a:prstGeom>
-          <a:ln w="6350">
-            <a:gradFill flip="none" rotWithShape="1">
-              <a:gsLst>
-                <a:gs pos="0">
-                  <a:schemeClr val="accent1">
-                    <a:lumMod val="5000"/>
-                    <a:lumOff val="95000"/>
-                  </a:schemeClr>
-                </a:gs>
-                <a:gs pos="100000">
-                  <a:schemeClr val="bg1">
-                    <a:alpha val="0"/>
-                  </a:schemeClr>
-                </a:gs>
-              </a:gsLst>
-              <a:path path="circle">
-                <a:fillToRect l="50000" t="50000" r="50000" b="50000"/>
-              </a:path>
-              <a:tileRect/>
-            </a:gradFill>
-          </a:ln>
-        </p:spPr>
-        <p:style>
-          <a:lnRef idx="1">
-            <a:schemeClr val="accent1"/>
-          </a:lnRef>
-          <a:fillRef idx="0">
-            <a:schemeClr val="accent1"/>
-          </a:fillRef>
-          <a:effectRef idx="0">
-            <a:schemeClr val="accent1"/>
-          </a:effectRef>
-          <a:fontRef idx="minor">
-            <a:schemeClr val="tx1"/>
-          </a:fontRef>
-        </p:style>
-      </p:cxnSp>
-      <p:cxnSp>
-        <p:nvCxnSpPr>
-          <p:cNvPr id="30" name="Straight Connector 29"/>
-          <p:cNvCxnSpPr/>
-          <p:nvPr/>
-        </p:nvCxnSpPr>
-        <p:spPr>
-          <a:xfrm>
-            <a:off x="2971800" y="3886146"/>
-            <a:ext cx="3200400" cy="0"/>
-          </a:xfrm>
-          <a:prstGeom prst="line">
-            <a:avLst/>
-          </a:prstGeom>
-          <a:ln w="6350">
-            <a:gradFill flip="none" rotWithShape="1">
-              <a:gsLst>
-                <a:gs pos="0">
-                  <a:schemeClr val="accent1">
-                    <a:lumMod val="5000"/>
-                    <a:lumOff val="95000"/>
-                  </a:schemeClr>
-                </a:gs>
-                <a:gs pos="100000">
-                  <a:schemeClr val="bg1">
-                    <a:alpha val="0"/>
-                  </a:schemeClr>
-                </a:gs>
-              </a:gsLst>
-              <a:path path="circle">
-                <a:fillToRect l="50000" t="50000" r="50000" b="50000"/>
-              </a:path>
-              <a:tileRect/>
-            </a:gradFill>
-          </a:ln>
-        </p:spPr>
-        <p:style>
-          <a:lnRef idx="1">
-            <a:schemeClr val="accent1"/>
-          </a:lnRef>
-          <a:fillRef idx="0">
-            <a:schemeClr val="accent1"/>
-          </a:fillRef>
-          <a:effectRef idx="0">
-            <a:schemeClr val="accent1"/>
-          </a:effectRef>
-          <a:fontRef idx="minor">
-            <a:schemeClr val="tx1"/>
-          </a:fontRef>
-        </p:style>
-      </p:cxnSp>
       <p:sp>
         <p:nvSpPr>
           <p:cNvPr id="11" name="TextBox 10"/>
@@ -33990,6 +34065,66 @@
           <a:xfrm>
             <a:off x="149895" y="138733"/>
             <a:ext cx="883015" cy="98845"/>
+          </a:xfrm>
+          <a:prstGeom prst="rect">
+            <a:avLst/>
+          </a:prstGeom>
+        </p:spPr>
+      </p:pic>
+      <p:pic>
+        <p:nvPicPr>
+          <p:cNvPr id="12" name="Picture 11"/>
+          <p:cNvPicPr>
+            <a:picLocks/>
+          </p:cNvPicPr>
+          <p:nvPr/>
+        </p:nvPicPr>
+        <p:blipFill>
+          <a:blip r:embed="rId5">
+            <a:extLst>
+              <a:ext uri="{28A0092B-C50C-407E-A947-70E740481C1C}">
+                <a14:useLocalDpi xmlns:a14="http://schemas.microsoft.com/office/drawing/2010/main" val="0"/>
+              </a:ext>
+            </a:extLst>
+          </a:blip>
+          <a:stretch>
+            <a:fillRect/>
+          </a:stretch>
+        </p:blipFill>
+        <p:spPr>
+          <a:xfrm>
+            <a:off x="2968752" y="1315116"/>
+            <a:ext cx="3206496" cy="18288"/>
+          </a:xfrm>
+          <a:prstGeom prst="rect">
+            <a:avLst/>
+          </a:prstGeom>
+        </p:spPr>
+      </p:pic>
+      <p:pic>
+        <p:nvPicPr>
+          <p:cNvPr id="14" name="Picture 13"/>
+          <p:cNvPicPr>
+            <a:picLocks/>
+          </p:cNvPicPr>
+          <p:nvPr/>
+        </p:nvPicPr>
+        <p:blipFill>
+          <a:blip r:embed="rId5">
+            <a:extLst>
+              <a:ext uri="{28A0092B-C50C-407E-A947-70E740481C1C}">
+                <a14:useLocalDpi xmlns:a14="http://schemas.microsoft.com/office/drawing/2010/main" val="0"/>
+              </a:ext>
+            </a:extLst>
+          </a:blip>
+          <a:stretch>
+            <a:fillRect/>
+          </a:stretch>
+        </p:blipFill>
+        <p:spPr>
+          <a:xfrm>
+            <a:off x="2968753" y="3781806"/>
+            <a:ext cx="3206496" cy="18288"/>
           </a:xfrm>
           <a:prstGeom prst="rect">
             <a:avLst/>
@@ -34143,8 +34278,8 @@
         </p:nvSpPr>
         <p:spPr>
           <a:xfrm>
-            <a:off x="4163670" y="2528954"/>
-            <a:ext cx="4888890" cy="2000548"/>
+            <a:off x="4163670" y="2943819"/>
+            <a:ext cx="4888890" cy="1261884"/>
           </a:xfrm>
           <a:prstGeom prst="rect">
             <a:avLst/>
@@ -34166,7 +34301,18 @@
                 <a:ea typeface="Glacial Indifference" charset="0"/>
                 <a:cs typeface="Glacial Indifference" charset="0"/>
               </a:rPr>
-              <a:t>Head of Biz Dev- Michael Rojas</a:t>
+              <a:t>Michael </a:t>
+            </a:r>
+            <a:r>
+              <a:rPr lang="en-US" b="1" dirty="0" smtClean="0">
+                <a:solidFill>
+                  <a:schemeClr val="bg1"/>
+                </a:solidFill>
+                <a:latin typeface="Glacial Indifference" charset="0"/>
+                <a:ea typeface="Glacial Indifference" charset="0"/>
+                <a:cs typeface="Glacial Indifference" charset="0"/>
+              </a:rPr>
+              <a:t>Rojas</a:t>
             </a:r>
           </a:p>
           <a:p>
@@ -34234,7 +34380,7 @@
                 <a:ea typeface="Glacial Indifference" charset="0"/>
                 <a:cs typeface="Glacial Indifference" charset="0"/>
               </a:rPr>
-              <a:t>Iron Grip is the largest provider of commercial free weight equipment worldwide and the only manufacturer with a line of exclusively American-made free weight </a:t>
+              <a:t>Iron Grip is the largest provider of commercial free weight equipment </a:t>
             </a:r>
             <a:r>
               <a:rPr lang="en-US" dirty="0" smtClean="0">
@@ -34245,41 +34391,7 @@
                 <a:ea typeface="Glacial Indifference" charset="0"/>
                 <a:cs typeface="Glacial Indifference" charset="0"/>
               </a:rPr>
-              <a:t>equipment</a:t>
-            </a:r>
-          </a:p>
-          <a:p>
-            <a:endParaRPr lang="en-US" sz="600" dirty="0">
-              <a:solidFill>
-                <a:schemeClr val="bg1"/>
-              </a:solidFill>
-              <a:latin typeface="Glacial Indifference" charset="0"/>
-              <a:ea typeface="Glacial Indifference" charset="0"/>
-              <a:cs typeface="Glacial Indifference" charset="0"/>
-            </a:endParaRPr>
-          </a:p>
-          <a:p>
-            <a:r>
-              <a:rPr lang="en-US" dirty="0">
-                <a:solidFill>
-                  <a:schemeClr val="bg1"/>
-                </a:solidFill>
-                <a:latin typeface="Glacial Indifference" charset="0"/>
-                <a:ea typeface="Glacial Indifference" charset="0"/>
-                <a:cs typeface="Glacial Indifference" charset="0"/>
-              </a:rPr>
-              <a:t>Iron Grip equipment can be found in over 95 countries and in over 10,000 </a:t>
-            </a:r>
-            <a:r>
-              <a:rPr lang="en-US" dirty="0" smtClean="0">
-                <a:solidFill>
-                  <a:schemeClr val="bg1"/>
-                </a:solidFill>
-                <a:latin typeface="Glacial Indifference" charset="0"/>
-                <a:ea typeface="Glacial Indifference" charset="0"/>
-                <a:cs typeface="Glacial Indifference" charset="0"/>
-              </a:rPr>
-              <a:t>gyms</a:t>
+              <a:t>worldwide</a:t>
             </a:r>
             <a:endParaRPr lang="en-US" dirty="0">
               <a:solidFill>
@@ -34324,7 +34436,18 @@
                 <a:ea typeface="Glacial Indifference" charset="0"/>
                 <a:cs typeface="Glacial Indifference" charset="0"/>
               </a:rPr>
-              <a:t>CEO- Austin Cohen</a:t>
+              <a:t>Austin </a:t>
+            </a:r>
+            <a:r>
+              <a:rPr lang="en-US" b="1" dirty="0" smtClean="0">
+                <a:solidFill>
+                  <a:schemeClr val="bg1"/>
+                </a:solidFill>
+                <a:latin typeface="Glacial Indifference" charset="0"/>
+                <a:ea typeface="Glacial Indifference" charset="0"/>
+                <a:cs typeface="Glacial Indifference" charset="0"/>
+              </a:rPr>
+              <a:t>Cohen</a:t>
             </a:r>
           </a:p>
           <a:p>
@@ -35409,7 +35532,19 @@
                 <a:cs typeface="Glacial Indifference" charset="0"/>
                 <a:sym typeface="Montserrat"/>
               </a:rPr>
-              <a:t>57.25 m</a:t>
+              <a:t>57.25</a:t>
+            </a:r>
+            <a:r>
+              <a:rPr lang="en-US" sz="4800" b="1" dirty="0" smtClean="0">
+                <a:solidFill>
+                  <a:srgbClr val="00B4D2"/>
+                </a:solidFill>
+                <a:latin typeface="Glacial Indifference" charset="0"/>
+                <a:ea typeface="Glacial Indifference" charset="0"/>
+                <a:cs typeface="Glacial Indifference" charset="0"/>
+                <a:sym typeface="Montserrat"/>
+              </a:rPr>
+              <a:t>M</a:t>
             </a:r>
             <a:endParaRPr sz="4800" b="1" dirty="0">
               <a:solidFill>
@@ -35947,7 +36082,7 @@
           <a:graphicData uri="http://schemas.openxmlformats.org/presentationml/2006/ole">
             <mc:AlternateContent xmlns:mc="http://schemas.openxmlformats.org/markup-compatibility/2006">
               <mc:Choice xmlns:v="urn:schemas-microsoft-com:vml" Requires="v">
-                <p:oleObj spid="_x0000_s3228" name="think-cell Slide" r:id="rId6" imgW="270" imgH="270" progId="TCLayout.ActiveDocument.1">
+                <p:oleObj spid="_x0000_s3243" name="think-cell Slide" r:id="rId6" imgW="270" imgH="270" progId="TCLayout.ActiveDocument.1">
                   <p:embed/>
                 </p:oleObj>
               </mc:Choice>
@@ -36632,7 +36767,7 @@
           <a:graphicData uri="http://schemas.openxmlformats.org/presentationml/2006/ole">
             <mc:AlternateContent xmlns:mc="http://schemas.openxmlformats.org/markup-compatibility/2006">
               <mc:Choice xmlns:v="urn:schemas-microsoft-com:vml" Requires="v">
-                <p:oleObj spid="_x0000_s4182" name="think-cell Slide" r:id="rId6" imgW="270" imgH="270" progId="TCLayout.ActiveDocument.1">
+                <p:oleObj spid="_x0000_s4197" name="think-cell Slide" r:id="rId6" imgW="270" imgH="270" progId="TCLayout.ActiveDocument.1">
                   <p:embed/>
                 </p:oleObj>
               </mc:Choice>
@@ -37287,15 +37422,6 @@
               </a:rPr>
               <a:t>Gyms face significant challenges in meeting their customers’ needs while navigating an increasingly competitive landscape</a:t>
             </a:r>
-            <a:endParaRPr lang="en-US" sz="2400" b="1" dirty="0">
-              <a:solidFill>
-                <a:schemeClr val="bg1"/>
-              </a:solidFill>
-              <a:latin typeface="Glacial Indifference" charset="0"/>
-              <a:ea typeface="Glacial Indifference" charset="0"/>
-              <a:cs typeface="Glacial Indifference" charset="0"/>
-              <a:sym typeface="Montserrat Medium"/>
-            </a:endParaRPr>
           </a:p>
         </p:txBody>
       </p:sp>
@@ -37527,10 +37653,10 @@
         </p:nvGrpSpPr>
         <p:grpSpPr>
           <a:xfrm>
-            <a:off x="4675900" y="876723"/>
-            <a:ext cx="3896601" cy="3218569"/>
-            <a:chOff x="4675900" y="674843"/>
-            <a:chExt cx="3896601" cy="3218569"/>
+            <a:off x="4993643" y="1501696"/>
+            <a:ext cx="3578858" cy="2593596"/>
+            <a:chOff x="4993643" y="1299816"/>
+            <a:chExt cx="3578858" cy="2593596"/>
           </a:xfrm>
         </p:grpSpPr>
         <p:sp>
@@ -37821,39 +37947,6 @@
             </a:p>
           </p:txBody>
         </p:sp>
-        <p:pic>
-          <p:nvPicPr>
-            <p:cNvPr id="13" name="Picture 12"/>
-            <p:cNvPicPr>
-              <a:picLocks noChangeAspect="1"/>
-            </p:cNvPicPr>
-            <p:nvPr/>
-          </p:nvPicPr>
-          <p:blipFill>
-            <a:blip r:embed="rId4">
-              <a:duotone>
-                <a:prstClr val="black"/>
-                <a:schemeClr val="tx2">
-                  <a:tint val="45000"/>
-                  <a:satMod val="400000"/>
-                </a:schemeClr>
-              </a:duotone>
-            </a:blip>
-            <a:stretch>
-              <a:fillRect/>
-            </a:stretch>
-          </p:blipFill>
-          <p:spPr>
-            <a:xfrm rot="10486384">
-              <a:off x="4675900" y="674843"/>
-              <a:ext cx="620250" cy="620250"/>
-            </a:xfrm>
-            <a:prstGeom prst="rect">
-              <a:avLst/>
-            </a:prstGeom>
-            <a:noFill/>
-          </p:spPr>
-        </p:pic>
       </p:grpSp>
       <p:sp>
         <p:nvSpPr>
@@ -37919,7 +38012,7 @@
           <p:nvPr/>
         </p:nvPicPr>
         <p:blipFill>
-          <a:blip r:embed="rId5">
+          <a:blip r:embed="rId4">
             <a:extLst>
               <a:ext uri="{28A0092B-C50C-407E-A947-70E740481C1C}">
                 <a14:useLocalDpi xmlns:a14="http://schemas.microsoft.com/office/drawing/2010/main" val="0"/>
@@ -37934,6 +38027,30 @@
           <a:xfrm>
             <a:off x="149895" y="138733"/>
             <a:ext cx="883015" cy="98845"/>
+          </a:xfrm>
+          <a:prstGeom prst="rect">
+            <a:avLst/>
+          </a:prstGeom>
+        </p:spPr>
+      </p:pic>
+      <p:pic>
+        <p:nvPicPr>
+          <p:cNvPr id="3" name="Picture 2"/>
+          <p:cNvPicPr>
+            <a:picLocks noChangeAspect="1"/>
+          </p:cNvPicPr>
+          <p:nvPr/>
+        </p:nvPicPr>
+        <p:blipFill>
+          <a:blip r:embed="rId5"/>
+          <a:stretch>
+            <a:fillRect/>
+          </a:stretch>
+        </p:blipFill>
+        <p:spPr>
+          <a:xfrm rot="10569321">
+            <a:off x="4743875" y="1127964"/>
+            <a:ext cx="440432" cy="359371"/>
           </a:xfrm>
           <a:prstGeom prst="rect">
             <a:avLst/>
@@ -38184,62 +38301,33 @@
                 <a:ea typeface="Glacial Indifference" charset="0"/>
                 <a:cs typeface="Glacial Indifference" charset="0"/>
               </a:rPr>
-              <a:t>there were a solution that offered consumers the flexibility they expect while enabling facilities to deliver profitably?</a:t>
+              <a:t>there </a:t>
+            </a:r>
+            <a:r>
+              <a:rPr lang="en-US" sz="2000" dirty="0" smtClean="0">
+                <a:solidFill>
+                  <a:schemeClr val="bg1"/>
+                </a:solidFill>
+                <a:latin typeface="Glacial Indifference" charset="0"/>
+                <a:ea typeface="Glacial Indifference" charset="0"/>
+                <a:cs typeface="Glacial Indifference" charset="0"/>
+              </a:rPr>
+              <a:t>were a solution </a:t>
+            </a:r>
+            <a:r>
+              <a:rPr lang="en-US" sz="2000" dirty="0">
+                <a:solidFill>
+                  <a:schemeClr val="bg1"/>
+                </a:solidFill>
+                <a:latin typeface="Glacial Indifference" charset="0"/>
+                <a:ea typeface="Glacial Indifference" charset="0"/>
+                <a:cs typeface="Glacial Indifference" charset="0"/>
+              </a:rPr>
+              <a:t>that offered consumers the flexibility they expect while enabling facilities to deliver profitably?</a:t>
             </a:r>
           </a:p>
         </p:txBody>
       </p:sp>
-      <p:cxnSp>
-        <p:nvCxnSpPr>
-          <p:cNvPr id="13" name="Straight Connector 12"/>
-          <p:cNvCxnSpPr/>
-          <p:nvPr/>
-        </p:nvCxnSpPr>
-        <p:spPr>
-          <a:xfrm>
-            <a:off x="2926080" y="3781192"/>
-            <a:ext cx="3291840" cy="0"/>
-          </a:xfrm>
-          <a:prstGeom prst="line">
-            <a:avLst/>
-          </a:prstGeom>
-          <a:ln w="6350">
-            <a:gradFill flip="none" rotWithShape="1">
-              <a:gsLst>
-                <a:gs pos="0">
-                  <a:schemeClr val="accent1">
-                    <a:lumMod val="5000"/>
-                    <a:lumOff val="95000"/>
-                  </a:schemeClr>
-                </a:gs>
-                <a:gs pos="100000">
-                  <a:schemeClr val="bg1">
-                    <a:alpha val="0"/>
-                  </a:schemeClr>
-                </a:gs>
-              </a:gsLst>
-              <a:path path="circle">
-                <a:fillToRect l="50000" t="50000" r="50000" b="50000"/>
-              </a:path>
-              <a:tileRect/>
-            </a:gradFill>
-          </a:ln>
-        </p:spPr>
-        <p:style>
-          <a:lnRef idx="1">
-            <a:schemeClr val="accent1"/>
-          </a:lnRef>
-          <a:fillRef idx="0">
-            <a:schemeClr val="accent1"/>
-          </a:fillRef>
-          <a:effectRef idx="0">
-            <a:schemeClr val="accent1"/>
-          </a:effectRef>
-          <a:fontRef idx="minor">
-            <a:schemeClr val="tx1"/>
-          </a:fontRef>
-        </p:style>
-      </p:cxnSp>
       <p:sp>
         <p:nvSpPr>
           <p:cNvPr id="14" name="TextBox 13"/>
@@ -38319,6 +38407,36 @@
           <a:xfrm>
             <a:off x="149895" y="138733"/>
             <a:ext cx="883015" cy="98845"/>
+          </a:xfrm>
+          <a:prstGeom prst="rect">
+            <a:avLst/>
+          </a:prstGeom>
+        </p:spPr>
+      </p:pic>
+      <p:pic>
+        <p:nvPicPr>
+          <p:cNvPr id="10" name="Picture 9"/>
+          <p:cNvPicPr>
+            <a:picLocks/>
+          </p:cNvPicPr>
+          <p:nvPr/>
+        </p:nvPicPr>
+        <p:blipFill>
+          <a:blip r:embed="rId5">
+            <a:extLst>
+              <a:ext uri="{28A0092B-C50C-407E-A947-70E740481C1C}">
+                <a14:useLocalDpi xmlns:a14="http://schemas.microsoft.com/office/drawing/2010/main" val="0"/>
+              </a:ext>
+            </a:extLst>
+          </a:blip>
+          <a:stretch>
+            <a:fillRect/>
+          </a:stretch>
+        </p:blipFill>
+        <p:spPr>
+          <a:xfrm>
+            <a:off x="2976501" y="3793063"/>
+            <a:ext cx="3206496" cy="18288"/>
           </a:xfrm>
           <a:prstGeom prst="rect">
             <a:avLst/>
@@ -39374,8 +39492,8 @@
         </p:blipFill>
         <p:spPr>
           <a:xfrm>
-            <a:off x="7405053" y="425661"/>
-            <a:ext cx="2095121" cy="2095121"/>
+            <a:off x="7086930" y="306388"/>
+            <a:ext cx="2255894" cy="2255894"/>
           </a:xfrm>
           <a:prstGeom prst="rect">
             <a:avLst/>
@@ -39404,8 +39522,8 @@
         </p:blipFill>
         <p:spPr>
           <a:xfrm>
-            <a:off x="-435429" y="414329"/>
-            <a:ext cx="2103120" cy="2103120"/>
+            <a:off x="-435431" y="291425"/>
+            <a:ext cx="2302447" cy="2280325"/>
           </a:xfrm>
           <a:prstGeom prst="rect">
             <a:avLst/>
@@ -39434,8 +39552,8 @@
         </p:blipFill>
         <p:spPr>
           <a:xfrm>
-            <a:off x="-436872" y="2807393"/>
-            <a:ext cx="2182054" cy="2182054"/>
+            <a:off x="-436872" y="2721776"/>
+            <a:ext cx="2316566" cy="2316566"/>
           </a:xfrm>
           <a:prstGeom prst="rect">
             <a:avLst/>
@@ -39464,8 +39582,8 @@
         </p:blipFill>
         <p:spPr>
           <a:xfrm>
-            <a:off x="7323384" y="2807393"/>
-            <a:ext cx="2230950" cy="2230950"/>
+            <a:off x="7031742" y="2709775"/>
+            <a:ext cx="2328567" cy="2328567"/>
           </a:xfrm>
           <a:prstGeom prst="rect">
             <a:avLst/>
@@ -39560,7 +39678,52 @@
                 </a:solidFill>
                 <a:latin typeface="Glacial Indifference" charset="0"/>
               </a:rPr>
-              <a:t>THE A-LA-CARTE FITNESS SOLUTION THAT ALLOWS USERS TO WORK-OUT WHERE THEY WANT, WHEN THEY WANT  AND PAY ONLY FOR THE TIME THEY USE</a:t>
+              <a:t>THE A-LA-CARTE FITNESS SOLUTION THAT ALLOWS USERS TO WORK-OUT </a:t>
+            </a:r>
+            <a:endParaRPr lang="en-US" sz="800" dirty="0" smtClean="0">
+              <a:solidFill>
+                <a:schemeClr val="bg1"/>
+              </a:solidFill>
+              <a:latin typeface="Glacial Indifference" charset="0"/>
+            </a:endParaRPr>
+          </a:p>
+          <a:p>
+            <a:pPr algn="ctr"/>
+            <a:r>
+              <a:rPr lang="en-US" sz="800" dirty="0" smtClean="0">
+                <a:solidFill>
+                  <a:schemeClr val="bg1"/>
+                </a:solidFill>
+                <a:latin typeface="Glacial Indifference" charset="0"/>
+              </a:rPr>
+              <a:t>WHERE </a:t>
+            </a:r>
+            <a:r>
+              <a:rPr lang="en-US" sz="800" dirty="0" smtClean="0">
+                <a:solidFill>
+                  <a:schemeClr val="bg1"/>
+                </a:solidFill>
+                <a:latin typeface="Glacial Indifference" charset="0"/>
+              </a:rPr>
+              <a:t>THEY WANT, WHEN THEY </a:t>
+            </a:r>
+            <a:r>
+              <a:rPr lang="en-US" sz="800" dirty="0" smtClean="0">
+                <a:solidFill>
+                  <a:schemeClr val="bg1"/>
+                </a:solidFill>
+                <a:latin typeface="Glacial Indifference" charset="0"/>
+              </a:rPr>
+              <a:t>WANT </a:t>
+            </a:r>
+            <a:r>
+              <a:rPr lang="en-US" sz="800" dirty="0" smtClean="0">
+                <a:solidFill>
+                  <a:schemeClr val="bg1"/>
+                </a:solidFill>
+                <a:latin typeface="Glacial Indifference" charset="0"/>
+              </a:rPr>
+              <a:t>AND PAY ONLY FOR THE TIME THEY USE</a:t>
             </a:r>
             <a:endParaRPr lang="en-US" sz="800" dirty="0">
               <a:solidFill>
@@ -39914,16 +40077,42 @@
                 <a:buClrTx/>
               </a:pPr>
               <a:r>
-                <a:rPr lang="en-US" sz="1100" b="1" dirty="0">
+                <a:rPr lang="en-GB" sz="1100" b="1" kern="1200" dirty="0">
                   <a:solidFill>
-                    <a:schemeClr val="bg1"/>
+                    <a:srgbClr val="FFFFFF"/>
                   </a:solidFill>
                   <a:latin typeface="Glacial Indifference" charset="0"/>
                   <a:ea typeface="Glacial Indifference" charset="0"/>
                   <a:cs typeface="Glacial Indifference" charset="0"/>
-                  <a:sym typeface="Montserrat"/>
                 </a:rPr>
-                <a:t>Try before you buy</a:t>
+                <a:t>Mobile-based solution that </a:t>
+              </a:r>
+            </a:p>
+            <a:p>
+              <a:pPr defTabSz="693004">
+                <a:buClrTx/>
+              </a:pPr>
+              <a:r>
+                <a:rPr lang="en-GB" sz="1100" b="1" kern="1200" dirty="0">
+                  <a:solidFill>
+                    <a:srgbClr val="FFFFFF"/>
+                  </a:solidFill>
+                  <a:latin typeface="Glacial Indifference" charset="0"/>
+                  <a:ea typeface="Glacial Indifference" charset="0"/>
+                  <a:cs typeface="Glacial Indifference" charset="0"/>
+                </a:rPr>
+                <a:t>enables a frictionless </a:t>
+              </a:r>
+              <a:r>
+                <a:rPr lang="en-GB" sz="1100" b="1" kern="1200" dirty="0" smtClean="0">
+                  <a:solidFill>
+                    <a:srgbClr val="FFFFFF"/>
+                  </a:solidFill>
+                  <a:latin typeface="Glacial Indifference" charset="0"/>
+                  <a:ea typeface="Glacial Indifference" charset="0"/>
+                  <a:cs typeface="Glacial Indifference" charset="0"/>
+                </a:rPr>
+                <a:t>experience</a:t>
               </a:r>
               <a:endParaRPr lang="en-GB" sz="1100" b="1" kern="1200" dirty="0">
                 <a:solidFill>
@@ -39976,14 +40165,14 @@
             </a:fontRef>
           </p:style>
           <p:txBody>
-            <a:bodyPr lIns="48978" tIns="48978" rIns="48978" bIns="48978" rtlCol="0" anchor="t" anchorCtr="0"/>
+            <a:bodyPr lIns="48978" tIns="48978" rIns="48978" bIns="48978" rtlCol="0" anchor="ctr" anchorCtr="0"/>
             <a:lstStyle/>
             <a:p>
               <a:pPr defTabSz="693004">
                 <a:buClrTx/>
               </a:pPr>
               <a:r>
-                <a:rPr lang="en-US" sz="1100" b="1" dirty="0">
+                <a:rPr lang="en-US" sz="1100" b="1" dirty="0" smtClean="0">
                   <a:solidFill>
                     <a:schemeClr val="bg1"/>
                   </a:solidFill>
@@ -39992,13 +40181,8 @@
                   <a:cs typeface="Glacial Indifference" charset="0"/>
                   <a:sym typeface="Montserrat"/>
                 </a:rPr>
-                <a:t>Access to a nation-wide network of facilities</a:t>
+                <a:t>Try before you buy</a:t>
               </a:r>
-            </a:p>
-            <a:p>
-              <a:pPr defTabSz="693004">
-                <a:buClrTx/>
-              </a:pPr>
               <a:endParaRPr lang="en-US" sz="1100" b="1" dirty="0">
                 <a:solidFill>
                   <a:schemeClr val="bg1"/>
@@ -40275,62 +40459,18 @@
                 <a:buClrTx/>
               </a:pPr>
               <a:r>
-                <a:rPr lang="en-GB" sz="1100" b="1" kern="1200" dirty="0" smtClean="0">
+                <a:rPr lang="en-US" sz="1100" b="1" dirty="0">
                   <a:solidFill>
-                    <a:srgbClr val="FFFFFF"/>
+                    <a:schemeClr val="bg1"/>
                   </a:solidFill>
                   <a:latin typeface="Glacial Indifference" charset="0"/>
                   <a:ea typeface="Glacial Indifference" charset="0"/>
                   <a:cs typeface="Glacial Indifference" charset="0"/>
+                  <a:sym typeface="Montserrat"/>
                 </a:rPr>
-                <a:t>Mobile-based </a:t>
+                <a:t>Access to a nation-wide </a:t>
               </a:r>
-              <a:r>
-                <a:rPr lang="en-GB" sz="1100" b="1" kern="1200" dirty="0">
-                  <a:solidFill>
-                    <a:srgbClr val="FFFFFF"/>
-                  </a:solidFill>
-                  <a:latin typeface="Glacial Indifference" charset="0"/>
-                  <a:ea typeface="Glacial Indifference" charset="0"/>
-                  <a:cs typeface="Glacial Indifference" charset="0"/>
-                </a:rPr>
-                <a:t>solution that </a:t>
-              </a:r>
-            </a:p>
-            <a:p>
-              <a:pPr defTabSz="693004">
-                <a:buClrTx/>
-              </a:pPr>
-              <a:r>
-                <a:rPr lang="en-GB" sz="1100" b="1" kern="1200" dirty="0">
-                  <a:solidFill>
-                    <a:srgbClr val="FFFFFF"/>
-                  </a:solidFill>
-                  <a:latin typeface="Glacial Indifference" charset="0"/>
-                  <a:ea typeface="Glacial Indifference" charset="0"/>
-                  <a:cs typeface="Glacial Indifference" charset="0"/>
-                </a:rPr>
-                <a:t>enables a frictionless experience</a:t>
-              </a:r>
-            </a:p>
-            <a:p>
-              <a:pPr defTabSz="693004">
-                <a:buClrTx/>
-              </a:pPr>
-              <a:endParaRPr lang="en-GB" sz="1100" b="1" kern="1200" dirty="0">
-                <a:solidFill>
-                  <a:srgbClr val="FFFFFF"/>
-                </a:solidFill>
-                <a:latin typeface="Glacial Indifference" charset="0"/>
-                <a:ea typeface="Glacial Indifference" charset="0"/>
-                <a:cs typeface="Glacial Indifference" charset="0"/>
-              </a:endParaRPr>
-            </a:p>
-            <a:p>
-              <a:pPr defTabSz="693004">
-                <a:buClrTx/>
-              </a:pPr>
-              <a:endParaRPr lang="en" sz="1100" b="1" dirty="0">
+              <a:endParaRPr lang="en-US" sz="1100" b="1" dirty="0" smtClean="0">
                 <a:solidFill>
                   <a:schemeClr val="bg1"/>
                 </a:solidFill>
@@ -40344,7 +40484,36 @@
               <a:pPr defTabSz="693004">
                 <a:buClrTx/>
               </a:pPr>
-              <a:endParaRPr lang="en" sz="1100" b="1" dirty="0">
+              <a:r>
+                <a:rPr lang="en-US" sz="1100" b="1" dirty="0" smtClean="0">
+                  <a:solidFill>
+                    <a:schemeClr val="bg1"/>
+                  </a:solidFill>
+                  <a:latin typeface="Glacial Indifference" charset="0"/>
+                  <a:ea typeface="Glacial Indifference" charset="0"/>
+                  <a:cs typeface="Glacial Indifference" charset="0"/>
+                  <a:sym typeface="Montserrat"/>
+                </a:rPr>
+                <a:t>network </a:t>
+              </a:r>
+              <a:r>
+                <a:rPr lang="en-US" sz="1100" b="1" dirty="0">
+                  <a:solidFill>
+                    <a:schemeClr val="bg1"/>
+                  </a:solidFill>
+                  <a:latin typeface="Glacial Indifference" charset="0"/>
+                  <a:ea typeface="Glacial Indifference" charset="0"/>
+                  <a:cs typeface="Glacial Indifference" charset="0"/>
+                  <a:sym typeface="Montserrat"/>
+                </a:rPr>
+                <a:t>of facilities</a:t>
+              </a:r>
+            </a:p>
+            <a:p>
+              <a:pPr defTabSz="693004">
+                <a:buClrTx/>
+              </a:pPr>
+              <a:endParaRPr lang="en-US" sz="1100" b="1" dirty="0">
                 <a:solidFill>
                   <a:schemeClr val="bg1"/>
                 </a:solidFill>
@@ -40753,7 +40922,7 @@
           <a:graphicData uri="http://schemas.openxmlformats.org/presentationml/2006/ole">
             <mc:AlternateContent xmlns:mc="http://schemas.openxmlformats.org/markup-compatibility/2006">
               <mc:Choice xmlns:v="urn:schemas-microsoft-com:vml" Requires="v">
-                <p:oleObj spid="_x0000_s6191" name="think-cell Slide" r:id="rId6" imgW="270" imgH="270" progId="TCLayout.ActiveDocument.1">
+                <p:oleObj spid="_x0000_s6206" name="think-cell Slide" r:id="rId6" imgW="270" imgH="270" progId="TCLayout.ActiveDocument.1">
                   <p:embed/>
                 </p:oleObj>
               </mc:Choice>
@@ -41390,31 +41559,7 @@
                 <a:cs typeface="Glacial Indifference" charset="0"/>
                 <a:sym typeface="Montserrat Medium"/>
               </a:rPr>
-              <a:t>FLEXIT </a:t>
-            </a:r>
-            <a:r>
-              <a:rPr lang="en-US" sz="2400" b="1" dirty="0" smtClean="0">
-                <a:solidFill>
-                  <a:schemeClr val="bg1"/>
-                </a:solidFill>
-                <a:latin typeface="Glacial Indifference" charset="0"/>
-                <a:ea typeface="Glacial Indifference" charset="0"/>
-                <a:cs typeface="Glacial Indifference" charset="0"/>
-                <a:sym typeface="Montserrat Medium"/>
-              </a:rPr>
-              <a:t>provides solutions to </a:t>
-            </a:r>
-            <a:r>
-              <a:rPr lang="en-US" sz="2400" b="1" dirty="0" smtClean="0">
-                <a:solidFill>
-                  <a:schemeClr val="bg1"/>
-                </a:solidFill>
-                <a:latin typeface="Glacial Indifference" charset="0"/>
-                <a:ea typeface="Glacial Indifference" charset="0"/>
-                <a:cs typeface="Glacial Indifference" charset="0"/>
-                <a:sym typeface="Montserrat Medium"/>
-              </a:rPr>
-              <a:t>both</a:t>
+              <a:t>FLEXIT provides solutions to both</a:t>
             </a:r>
             <a:endParaRPr lang="en-US" sz="2400" b="1" dirty="0">
               <a:solidFill>
@@ -42196,41 +42341,8 @@
                 <a:cs typeface="Glacial Indifference" charset="0"/>
                 <a:sym typeface="Montserrat Light"/>
               </a:rPr>
-              <a:t> Adults </a:t>
+              <a:t> Adults who work out 2x/week</a:t>
             </a:r>
-            <a:r>
-              <a:rPr lang="en-US" dirty="0" smtClean="0">
-                <a:solidFill>
-                  <a:schemeClr val="bg1"/>
-                </a:solidFill>
-                <a:latin typeface="Glacial Indifference" charset="0"/>
-                <a:ea typeface="Glacial Indifference" charset="0"/>
-                <a:cs typeface="Glacial Indifference" charset="0"/>
-                <a:sym typeface="Montserrat Light"/>
-              </a:rPr>
-              <a:t>who work out </a:t>
-            </a:r>
-            <a:r>
-              <a:rPr lang="en-US" dirty="0" smtClean="0">
-                <a:solidFill>
-                  <a:schemeClr val="bg1"/>
-                </a:solidFill>
-                <a:latin typeface="Glacial Indifference" charset="0"/>
-                <a:ea typeface="Glacial Indifference" charset="0"/>
-                <a:cs typeface="Glacial Indifference" charset="0"/>
-                <a:sym typeface="Montserrat Light"/>
-              </a:rPr>
-              <a:t>2x/week</a:t>
-            </a:r>
-            <a:endParaRPr lang="en-US" dirty="0" smtClean="0">
-              <a:solidFill>
-                <a:schemeClr val="bg1"/>
-              </a:solidFill>
-              <a:latin typeface="Glacial Indifference" charset="0"/>
-              <a:ea typeface="Glacial Indifference" charset="0"/>
-              <a:cs typeface="Glacial Indifference" charset="0"/>
-              <a:sym typeface="Montserrat Light"/>
-            </a:endParaRPr>
           </a:p>
           <a:p>
             <a:pPr marL="0" lvl="0" indent="0" rtl="0">
@@ -42363,15 +42475,6 @@
               </a:rPr>
               <a:t> </a:t>
             </a:r>
-            <a:endParaRPr lang="en-US" dirty="0" smtClean="0">
-              <a:solidFill>
-                <a:schemeClr val="bg1"/>
-              </a:solidFill>
-              <a:latin typeface="Glacial Indifference" charset="0"/>
-              <a:ea typeface="Glacial Indifference" charset="0"/>
-              <a:cs typeface="Glacial Indifference" charset="0"/>
-              <a:sym typeface="Montserrat Light"/>
-            </a:endParaRPr>
           </a:p>
           <a:p>
             <a:pPr marL="0" lvl="0" indent="0" rtl="0">
@@ -42393,19 +42496,7 @@
                 <a:cs typeface="Glacial Indifference" charset="0"/>
                 <a:sym typeface="Montserrat Light"/>
               </a:rPr>
-              <a:t>US Population </a:t>
-            </a:r>
-            <a:r>
-              <a:rPr lang="en-US" dirty="0" smtClean="0">
-                <a:solidFill>
-                  <a:schemeClr val="bg1"/>
-                </a:solidFill>
-                <a:latin typeface="Glacial Indifference" charset="0"/>
-                <a:ea typeface="Glacial Indifference" charset="0"/>
-                <a:cs typeface="Glacial Indifference" charset="0"/>
-                <a:sym typeface="Montserrat Light"/>
-              </a:rPr>
-              <a:t>18-65</a:t>
+              <a:t>US Population 18-65</a:t>
             </a:r>
             <a:endParaRPr sz="2000" b="1" dirty="0">
               <a:solidFill>
@@ -42462,29 +42553,7 @@
                 <a:ea typeface="Glacial Indifference" charset="0"/>
                 <a:cs typeface="Glacial Indifference" charset="0"/>
               </a:rPr>
-              <a:t>provides </a:t>
-            </a:r>
-            <a:r>
-              <a:rPr lang="en-US" sz="2400" b="1" dirty="0" smtClean="0">
-                <a:solidFill>
-                  <a:schemeClr val="bg1"/>
-                </a:solidFill>
-                <a:latin typeface="Glacial Indifference" charset="0"/>
-                <a:ea typeface="Glacial Indifference" charset="0"/>
-                <a:cs typeface="Glacial Indifference" charset="0"/>
-              </a:rPr>
-              <a:t>technology to scale for a growing </a:t>
-            </a:r>
-            <a:r>
-              <a:rPr lang="en-US" sz="2400" b="1" dirty="0" smtClean="0">
-                <a:solidFill>
-                  <a:schemeClr val="bg1"/>
-                </a:solidFill>
-                <a:latin typeface="Glacial Indifference" charset="0"/>
-                <a:ea typeface="Glacial Indifference" charset="0"/>
-                <a:cs typeface="Glacial Indifference" charset="0"/>
-              </a:rPr>
-              <a:t>market </a:t>
+              <a:t>provides technology to scale for a growing market </a:t>
             </a:r>
             <a:endParaRPr lang="en-US" sz="2400" b="1" dirty="0">
               <a:solidFill>
@@ -42616,19 +42685,7 @@
                 <a:cs typeface="Glacial Indifference" charset="0"/>
                 <a:sym typeface="Montserrat Light"/>
               </a:rPr>
-              <a:t>Serviceable obtainable </a:t>
-            </a:r>
-            <a:r>
-              <a:rPr lang="en-US" dirty="0" smtClean="0">
-                <a:solidFill>
-                  <a:schemeClr val="bg1"/>
-                </a:solidFill>
-                <a:latin typeface="Glacial Indifference" charset="0"/>
-                <a:ea typeface="Glacial Indifference" charset="0"/>
-                <a:cs typeface="Glacial Indifference" charset="0"/>
-                <a:sym typeface="Montserrat Light"/>
-              </a:rPr>
-              <a:t>market (</a:t>
+              <a:t>Serviceable obtainable market (</a:t>
             </a:r>
             <a:r>
               <a:rPr lang="en-US" dirty="0">
@@ -42652,29 +42709,8 @@
                 <a:cs typeface="Glacial Indifference" charset="0"/>
                 <a:sym typeface="Montserrat Light"/>
               </a:rPr>
-              <a:t>)</a:t>
+              <a:t>):</a:t>
             </a:r>
-            <a:r>
-              <a:rPr lang="en-US" dirty="0" smtClean="0">
-                <a:solidFill>
-                  <a:schemeClr val="bg1"/>
-                </a:solidFill>
-                <a:latin typeface="Glacial Indifference" charset="0"/>
-                <a:ea typeface="Glacial Indifference" charset="0"/>
-                <a:cs typeface="Glacial Indifference" charset="0"/>
-                <a:sym typeface="Montserrat Light"/>
-              </a:rPr>
-              <a:t>:</a:t>
-            </a:r>
-            <a:endParaRPr lang="en-US" dirty="0" smtClean="0">
-              <a:solidFill>
-                <a:schemeClr val="bg1"/>
-              </a:solidFill>
-              <a:latin typeface="Glacial Indifference" charset="0"/>
-              <a:ea typeface="Glacial Indifference" charset="0"/>
-              <a:cs typeface="Glacial Indifference" charset="0"/>
-              <a:sym typeface="Montserrat Light"/>
-            </a:endParaRPr>
           </a:p>
           <a:p>
             <a:pPr lvl="0"/>
@@ -42688,19 +42724,7 @@
                 <a:cs typeface="Glacial Indifference" charset="0"/>
                 <a:sym typeface="Montserrat Light"/>
               </a:rPr>
-              <a:t>Realistic </a:t>
-            </a:r>
-            <a:r>
-              <a:rPr lang="en-US" dirty="0" smtClean="0">
-                <a:solidFill>
-                  <a:schemeClr val="bg1"/>
-                </a:solidFill>
-                <a:latin typeface="Glacial Indifference" charset="0"/>
-                <a:ea typeface="Glacial Indifference" charset="0"/>
-                <a:cs typeface="Glacial Indifference" charset="0"/>
-                <a:sym typeface="Montserrat Light"/>
-              </a:rPr>
-              <a:t>reach</a:t>
+              <a:t>Realistic reach</a:t>
             </a:r>
             <a:endParaRPr lang="en-US" dirty="0">
               <a:solidFill>
@@ -42856,7 +42880,7 @@
                 <a:ea typeface="Glacial Indifference" charset="0"/>
                 <a:cs typeface="Glacial Indifference" charset="0"/>
               </a:rPr>
-              <a:t>OPPORTUNITY | </a:t>
+              <a:t>OPPORTUNITY | SOLUTION | </a:t>
             </a:r>
             <a:r>
               <a:rPr lang="en-US" sz="700" b="1" dirty="0" smtClean="0">
@@ -42867,20 +42891,9 @@
                 <a:ea typeface="Glacial Indifference" charset="0"/>
                 <a:cs typeface="Glacial Indifference" charset="0"/>
               </a:rPr>
-              <a:t>SOLUTION</a:t>
+              <a:t>BUSINESS</a:t>
             </a:r>
-            <a:r>
-              <a:rPr lang="en-US" sz="700" dirty="0" smtClean="0">
-                <a:solidFill>
-                  <a:schemeClr val="bg1"/>
-                </a:solidFill>
-                <a:latin typeface="Glacial Indifference" charset="0"/>
-                <a:ea typeface="Glacial Indifference" charset="0"/>
-                <a:cs typeface="Glacial Indifference" charset="0"/>
-              </a:rPr>
-              <a:t> | BUSINESS</a:t>
-            </a:r>
-            <a:endParaRPr lang="en-US" sz="700" dirty="0">
+            <a:endParaRPr lang="en-US" sz="700" b="1" dirty="0">
               <a:solidFill>
                 <a:schemeClr val="bg1"/>
               </a:solidFill>
